--- a/content/docs/theory-analysis/kubernetes-pod-termination/images/images.pptx
+++ b/content/docs/theory-analysis/kubernetes-pod-termination/images/images.pptx
@@ -220,7 +220,7 @@
           <a:p>
             <a:fld id="{6CD5550B-26C4-49A9-A5BA-636EF7BE6CE9}" type="datetimeFigureOut">
               <a:rPr lang="ko-KR" altLang="en-US" smtClean="0"/>
-              <a:t>2024. 12. 27.</a:t>
+              <a:t>2024. 12. 28.</a:t>
             </a:fld>
             <a:endParaRPr lang="ko-KR" altLang="en-US"/>
           </a:p>
@@ -1254,7 +1254,7 @@
           <a:p>
             <a:fld id="{FB30EDBD-1C2D-4C1E-B459-B60219FAB484}" type="datetimeFigureOut">
               <a:rPr lang="ko-KR" altLang="en-US" smtClean="0"/>
-              <a:t>2024. 12. 27.</a:t>
+              <a:t>2024. 12. 28.</a:t>
             </a:fld>
             <a:endParaRPr lang="ko-KR" altLang="en-US"/>
           </a:p>
@@ -1417,7 +1417,7 @@
           <a:p>
             <a:fld id="{FB30EDBD-1C2D-4C1E-B459-B60219FAB484}" type="datetimeFigureOut">
               <a:rPr lang="ko-KR" altLang="en-US" smtClean="0"/>
-              <a:t>2024. 12. 27.</a:t>
+              <a:t>2024. 12. 28.</a:t>
             </a:fld>
             <a:endParaRPr lang="ko-KR" altLang="en-US"/>
           </a:p>
@@ -1590,7 +1590,7 @@
           <a:p>
             <a:fld id="{FB30EDBD-1C2D-4C1E-B459-B60219FAB484}" type="datetimeFigureOut">
               <a:rPr lang="ko-KR" altLang="en-US" smtClean="0"/>
-              <a:t>2024. 12. 27.</a:t>
+              <a:t>2024. 12. 28.</a:t>
             </a:fld>
             <a:endParaRPr lang="ko-KR" altLang="en-US"/>
           </a:p>
@@ -1753,7 +1753,7 @@
           <a:p>
             <a:fld id="{FB30EDBD-1C2D-4C1E-B459-B60219FAB484}" type="datetimeFigureOut">
               <a:rPr lang="ko-KR" altLang="en-US" smtClean="0"/>
-              <a:t>2024. 12. 27.</a:t>
+              <a:t>2024. 12. 28.</a:t>
             </a:fld>
             <a:endParaRPr lang="ko-KR" altLang="en-US"/>
           </a:p>
@@ -1993,7 +1993,7 @@
           <a:p>
             <a:fld id="{FB30EDBD-1C2D-4C1E-B459-B60219FAB484}" type="datetimeFigureOut">
               <a:rPr lang="ko-KR" altLang="en-US" smtClean="0"/>
-              <a:t>2024. 12. 27.</a:t>
+              <a:t>2024. 12. 28.</a:t>
             </a:fld>
             <a:endParaRPr lang="ko-KR" altLang="en-US"/>
           </a:p>
@@ -2273,7 +2273,7 @@
           <a:p>
             <a:fld id="{FB30EDBD-1C2D-4C1E-B459-B60219FAB484}" type="datetimeFigureOut">
               <a:rPr lang="ko-KR" altLang="en-US" smtClean="0"/>
-              <a:t>2024. 12. 27.</a:t>
+              <a:t>2024. 12. 28.</a:t>
             </a:fld>
             <a:endParaRPr lang="ko-KR" altLang="en-US"/>
           </a:p>
@@ -2687,7 +2687,7 @@
           <a:p>
             <a:fld id="{FB30EDBD-1C2D-4C1E-B459-B60219FAB484}" type="datetimeFigureOut">
               <a:rPr lang="ko-KR" altLang="en-US" smtClean="0"/>
-              <a:t>2024. 12. 27.</a:t>
+              <a:t>2024. 12. 28.</a:t>
             </a:fld>
             <a:endParaRPr lang="ko-KR" altLang="en-US"/>
           </a:p>
@@ -2799,7 +2799,7 @@
           <a:p>
             <a:fld id="{FB30EDBD-1C2D-4C1E-B459-B60219FAB484}" type="datetimeFigureOut">
               <a:rPr lang="ko-KR" altLang="en-US" smtClean="0"/>
-              <a:t>2024. 12. 27.</a:t>
+              <a:t>2024. 12. 28.</a:t>
             </a:fld>
             <a:endParaRPr lang="ko-KR" altLang="en-US"/>
           </a:p>
@@ -2889,7 +2889,7 @@
           <a:p>
             <a:fld id="{FB30EDBD-1C2D-4C1E-B459-B60219FAB484}" type="datetimeFigureOut">
               <a:rPr lang="ko-KR" altLang="en-US" smtClean="0"/>
-              <a:t>2024. 12. 27.</a:t>
+              <a:t>2024. 12. 28.</a:t>
             </a:fld>
             <a:endParaRPr lang="ko-KR" altLang="en-US"/>
           </a:p>
@@ -3159,7 +3159,7 @@
           <a:p>
             <a:fld id="{FB30EDBD-1C2D-4C1E-B459-B60219FAB484}" type="datetimeFigureOut">
               <a:rPr lang="ko-KR" altLang="en-US" smtClean="0"/>
-              <a:t>2024. 12. 27.</a:t>
+              <a:t>2024. 12. 28.</a:t>
             </a:fld>
             <a:endParaRPr lang="ko-KR" altLang="en-US"/>
           </a:p>
@@ -3406,7 +3406,7 @@
           <a:p>
             <a:fld id="{FB30EDBD-1C2D-4C1E-B459-B60219FAB484}" type="datetimeFigureOut">
               <a:rPr lang="ko-KR" altLang="en-US" smtClean="0"/>
-              <a:t>2024. 12. 27.</a:t>
+              <a:t>2024. 12. 28.</a:t>
             </a:fld>
             <a:endParaRPr lang="ko-KR" altLang="en-US"/>
           </a:p>
@@ -3612,7 +3612,7 @@
           <a:p>
             <a:fld id="{FB30EDBD-1C2D-4C1E-B459-B60219FAB484}" type="datetimeFigureOut">
               <a:rPr lang="ko-KR" altLang="en-US" smtClean="0"/>
-              <a:t>2024. 12. 27.</a:t>
+              <a:t>2024. 12. 28.</a:t>
             </a:fld>
             <a:endParaRPr lang="ko-KR" altLang="en-US"/>
           </a:p>
@@ -4930,8 +4930,8 @@
         </p:nvSpPr>
         <p:spPr>
           <a:xfrm>
-            <a:off x="1732629" y="2028977"/>
-            <a:ext cx="1128835" cy="215444"/>
+            <a:off x="1430466" y="2028977"/>
+            <a:ext cx="1733168" cy="215444"/>
           </a:xfrm>
           <a:prstGeom prst="rect">
             <a:avLst/>
@@ -4953,7 +4953,7 @@
                   <a:schemeClr val="tx2"/>
                 </a:solidFill>
               </a:rPr>
-              <a:t>preStop Hook Delay</a:t>
+              <a:t>preStop Hook Propagation Delay</a:t>
             </a:r>
             <a:endParaRPr lang="en-KR" sz="800">
               <a:solidFill>
@@ -5508,8 +5508,8 @@
         </p:nvSpPr>
         <p:spPr>
           <a:xfrm>
-            <a:off x="2825000" y="1247845"/>
-            <a:ext cx="1192955" cy="215444"/>
+            <a:off x="2505203" y="1247845"/>
+            <a:ext cx="1832553" cy="215444"/>
           </a:xfrm>
           <a:prstGeom prst="rect">
             <a:avLst/>
@@ -5531,7 +5531,7 @@
                   <a:schemeClr val="accent2"/>
                 </a:solidFill>
               </a:rPr>
-              <a:t>Endpoint Slice Delay</a:t>
+              <a:t>Endpoint Slice Propagation Delay</a:t>
             </a:r>
             <a:endParaRPr lang="en-KR" sz="800" b="1">
               <a:solidFill>
@@ -5802,8 +5802,8 @@
         </p:nvSpPr>
         <p:spPr>
           <a:xfrm>
-            <a:off x="5077261" y="2030605"/>
-            <a:ext cx="1218603" cy="215444"/>
+            <a:off x="4756661" y="2030605"/>
+            <a:ext cx="1859805" cy="215444"/>
           </a:xfrm>
           <a:prstGeom prst="rect">
             <a:avLst/>
@@ -5828,7 +5828,7 @@
                   <a:schemeClr val="tx2"/>
                 </a:solidFill>
               </a:rPr>
-              <a:t>SIGTERM Signal Delay</a:t>
+              <a:t>SIGTERM Signal Propagation Delay</a:t>
             </a:r>
             <a:endParaRPr lang="en-KR" sz="800">
               <a:solidFill>
@@ -6747,8 +6747,8 @@
         </p:nvSpPr>
         <p:spPr>
           <a:xfrm>
-            <a:off x="1687745" y="2028977"/>
-            <a:ext cx="1218603" cy="215444"/>
+            <a:off x="1385580" y="2028977"/>
+            <a:ext cx="1822936" cy="215444"/>
           </a:xfrm>
           <a:prstGeom prst="rect">
             <a:avLst/>
@@ -6770,7 +6770,7 @@
                   <a:schemeClr val="tx2"/>
                 </a:solidFill>
               </a:rPr>
-              <a:t>SIGTERM Signal Delay</a:t>
+              <a:t>SIGTERM Propagation Signal Delay</a:t>
             </a:r>
             <a:endParaRPr lang="en-KR" sz="800">
               <a:solidFill>
@@ -7325,8 +7325,8 @@
         </p:nvSpPr>
         <p:spPr>
           <a:xfrm>
-            <a:off x="2825000" y="1247845"/>
-            <a:ext cx="1192955" cy="215444"/>
+            <a:off x="2505203" y="1247845"/>
+            <a:ext cx="1832553" cy="215444"/>
           </a:xfrm>
           <a:prstGeom prst="rect">
             <a:avLst/>
@@ -7348,7 +7348,7 @@
                   <a:schemeClr val="accent2"/>
                 </a:solidFill>
               </a:rPr>
-              <a:t>Endpoint Slice Delay</a:t>
+              <a:t>Endpoint Slice Propagation Delay</a:t>
             </a:r>
             <a:endParaRPr lang="en-KR" sz="800" b="1">
               <a:solidFill>
@@ -7628,8 +7628,8 @@
         </p:nvCxnSpPr>
         <p:spPr>
           <a:xfrm flipH="1">
-            <a:off x="3782890" y="2715766"/>
-            <a:ext cx="883158" cy="0"/>
+            <a:off x="2398345" y="3037287"/>
+            <a:ext cx="2267703" cy="0"/>
           </a:xfrm>
           <a:prstGeom prst="straightConnector1">
             <a:avLst/>
@@ -7672,7 +7672,7 @@
         </p:nvSpPr>
         <p:spPr>
           <a:xfrm>
-            <a:off x="3636007" y="2777322"/>
+            <a:off x="2943733" y="3043729"/>
             <a:ext cx="1176925" cy="338554"/>
           </a:xfrm>
           <a:prstGeom prst="rect">

--- a/content/docs/theory-analysis/kubernetes-pod-termination/images/images.pptx
+++ b/content/docs/theory-analysis/kubernetes-pod-termination/images/images.pptx
@@ -4634,8 +4634,8 @@
         </p:nvCxnSpPr>
         <p:spPr>
           <a:xfrm>
-            <a:off x="2184607" y="627534"/>
-            <a:ext cx="0" cy="2934481"/>
+            <a:off x="2184607" y="2544447"/>
+            <a:ext cx="0" cy="1017568"/>
           </a:xfrm>
           <a:prstGeom prst="straightConnector1">
             <a:avLst/>
@@ -4772,8 +4772,8 @@
         </p:nvCxnSpPr>
         <p:spPr>
           <a:xfrm>
-            <a:off x="2398346" y="2326554"/>
-            <a:ext cx="0" cy="1224136"/>
+            <a:off x="2398346" y="627534"/>
+            <a:ext cx="0" cy="2923156"/>
           </a:xfrm>
           <a:prstGeom prst="straightConnector1">
             <a:avLst/>
@@ -6024,8 +6024,8 @@
         </p:nvCxnSpPr>
         <p:spPr>
           <a:xfrm flipH="1">
-            <a:off x="2184359" y="627534"/>
-            <a:ext cx="4956915" cy="0"/>
+            <a:off x="2398345" y="627534"/>
+            <a:ext cx="4742930" cy="0"/>
           </a:xfrm>
           <a:prstGeom prst="straightConnector1">
             <a:avLst/>
@@ -7069,10 +7069,10 @@
       </p:sp>
       <p:cxnSp>
         <p:nvCxnSpPr>
-          <p:cNvPr id="6" name="Straight Arrow Connector 5">
-            <a:extLst>
-              <a:ext uri="{FF2B5EF4-FFF2-40B4-BE49-F238E27FC236}">
-                <a16:creationId xmlns:a16="http://schemas.microsoft.com/office/drawing/2014/main" id="{74871440-9BBE-E240-AB7C-F6C7B20A9CD0}"/>
+          <p:cNvPr id="48" name="Straight Arrow Connector 47">
+            <a:extLst>
+              <a:ext uri="{FF2B5EF4-FFF2-40B4-BE49-F238E27FC236}">
+                <a16:creationId xmlns:a16="http://schemas.microsoft.com/office/drawing/2014/main" id="{7BF2197C-1B98-AF41-B774-0E274F98B3B6}"/>
               </a:ext>
             </a:extLst>
           </p:cNvPr>
@@ -7083,303 +7083,8 @@
         </p:nvCxnSpPr>
         <p:spPr>
           <a:xfrm>
-            <a:off x="899592" y="3550690"/>
-            <a:ext cx="6840760" cy="0"/>
-          </a:xfrm>
-          <a:prstGeom prst="straightConnector1">
-            <a:avLst/>
-          </a:prstGeom>
-          <a:ln w="28575">
-            <a:solidFill>
-              <a:schemeClr val="tx1"/>
-            </a:solidFill>
-            <a:headEnd type="none" w="med" len="med"/>
-            <a:tailEnd type="arrow" w="med" len="med"/>
-          </a:ln>
-        </p:spPr>
-        <p:style>
-          <a:lnRef idx="1">
-            <a:schemeClr val="accent1"/>
-          </a:lnRef>
-          <a:fillRef idx="0">
-            <a:schemeClr val="accent1"/>
-          </a:fillRef>
-          <a:effectRef idx="0">
-            <a:schemeClr val="accent1"/>
-          </a:effectRef>
-          <a:fontRef idx="minor">
-            <a:schemeClr val="tx1"/>
-          </a:fontRef>
-        </p:style>
-      </p:cxnSp>
-      <p:sp>
-        <p:nvSpPr>
-          <p:cNvPr id="8" name="TextBox 7">
-            <a:extLst>
-              <a:ext uri="{FF2B5EF4-FFF2-40B4-BE49-F238E27FC236}">
-                <a16:creationId xmlns:a16="http://schemas.microsoft.com/office/drawing/2014/main" id="{6703E843-BE1F-FA4C-9136-E280FBBAA2AA}"/>
-              </a:ext>
-            </a:extLst>
-          </p:cNvPr>
-          <p:cNvSpPr txBox="1"/>
-          <p:nvPr/>
-        </p:nvSpPr>
-        <p:spPr>
-          <a:xfrm>
-            <a:off x="905315" y="3562015"/>
-            <a:ext cx="484428" cy="246221"/>
-          </a:xfrm>
-          <a:prstGeom prst="rect">
-            <a:avLst/>
-          </a:prstGeom>
-          <a:noFill/>
-        </p:spPr>
-        <p:txBody>
-          <a:bodyPr wrap="none" rtlCol="0">
-            <a:spAutoFit/>
-          </a:bodyPr>
-          <a:lstStyle/>
-          <a:p>
-            <a:r>
-              <a:rPr lang="en-KR" sz="1000" b="1"/>
-              <a:t>Time</a:t>
-            </a:r>
-          </a:p>
-        </p:txBody>
-      </p:sp>
-      <p:sp>
-        <p:nvSpPr>
-          <p:cNvPr id="9" name="사각형: 둥근 모서리 36">
-            <a:extLst>
-              <a:ext uri="{FF2B5EF4-FFF2-40B4-BE49-F238E27FC236}">
-                <a16:creationId xmlns:a16="http://schemas.microsoft.com/office/drawing/2014/main" id="{A1C7F864-2614-BF4D-A2F9-B92AD700B407}"/>
-              </a:ext>
-            </a:extLst>
-          </p:cNvPr>
-          <p:cNvSpPr/>
-          <p:nvPr/>
-        </p:nvSpPr>
-        <p:spPr>
-          <a:xfrm>
-            <a:off x="2398345" y="3052293"/>
-            <a:ext cx="3181755" cy="360036"/>
-          </a:xfrm>
-          <a:prstGeom prst="roundRect">
-            <a:avLst>
-              <a:gd name="adj" fmla="val 0"/>
-            </a:avLst>
-          </a:prstGeom>
-          <a:ln w="12700"/>
-        </p:spPr>
-        <p:style>
-          <a:lnRef idx="2">
-            <a:schemeClr val="dk1"/>
-          </a:lnRef>
-          <a:fillRef idx="1">
-            <a:schemeClr val="lt1"/>
-          </a:fillRef>
-          <a:effectRef idx="0">
-            <a:schemeClr val="dk1"/>
-          </a:effectRef>
-          <a:fontRef idx="minor">
-            <a:schemeClr val="dk1"/>
-          </a:fontRef>
-        </p:style>
-        <p:txBody>
-          <a:bodyPr rtlCol="0" anchor="ctr"/>
-          <a:lstStyle/>
-          <a:p>
-            <a:pPr algn="ctr"/>
-            <a:r>
-              <a:rPr lang="en-US" altLang="ko-KR" sz="1000"/>
-              <a:t>App Container preStop Hook</a:t>
-            </a:r>
-            <a:endParaRPr lang="ko-KR" altLang="en-US" sz="1000"/>
-          </a:p>
-        </p:txBody>
-      </p:sp>
-      <p:cxnSp>
-        <p:nvCxnSpPr>
-          <p:cNvPr id="10" name="Straight Arrow Connector 9">
-            <a:extLst>
-              <a:ext uri="{FF2B5EF4-FFF2-40B4-BE49-F238E27FC236}">
-                <a16:creationId xmlns:a16="http://schemas.microsoft.com/office/drawing/2014/main" id="{820C7B36-44F7-EC4F-B465-E81EE04C42C6}"/>
-              </a:ext>
-            </a:extLst>
-          </p:cNvPr>
-          <p:cNvCxnSpPr>
-            <a:cxnSpLocks/>
-          </p:cNvCxnSpPr>
-          <p:nvPr/>
-        </p:nvCxnSpPr>
-        <p:spPr>
-          <a:xfrm flipV="1">
-            <a:off x="2184856" y="3556346"/>
-            <a:ext cx="0" cy="209226"/>
-          </a:xfrm>
-          <a:prstGeom prst="straightConnector1">
-            <a:avLst/>
-          </a:prstGeom>
-          <a:ln w="12700">
-            <a:solidFill>
-              <a:schemeClr val="tx1"/>
-            </a:solidFill>
-            <a:prstDash val="dash"/>
-            <a:tailEnd type="triangle"/>
-          </a:ln>
-        </p:spPr>
-        <p:style>
-          <a:lnRef idx="1">
-            <a:schemeClr val="accent1"/>
-          </a:lnRef>
-          <a:fillRef idx="0">
-            <a:schemeClr val="accent1"/>
-          </a:fillRef>
-          <a:effectRef idx="0">
-            <a:schemeClr val="accent1"/>
-          </a:effectRef>
-          <a:fontRef idx="minor">
-            <a:schemeClr val="tx1"/>
-          </a:fontRef>
-        </p:style>
-      </p:cxnSp>
-      <p:cxnSp>
-        <p:nvCxnSpPr>
-          <p:cNvPr id="16" name="Straight Arrow Connector 15">
-            <a:extLst>
-              <a:ext uri="{FF2B5EF4-FFF2-40B4-BE49-F238E27FC236}">
-                <a16:creationId xmlns:a16="http://schemas.microsoft.com/office/drawing/2014/main" id="{39C01842-CE18-A642-A9E4-165CE4B9538C}"/>
-              </a:ext>
-            </a:extLst>
-          </p:cNvPr>
-          <p:cNvCxnSpPr>
-            <a:cxnSpLocks/>
-          </p:cNvCxnSpPr>
-          <p:nvPr/>
-        </p:nvCxnSpPr>
-        <p:spPr>
-          <a:xfrm flipV="1">
-            <a:off x="5787824" y="3556346"/>
-            <a:ext cx="0" cy="209226"/>
-          </a:xfrm>
-          <a:prstGeom prst="straightConnector1">
-            <a:avLst/>
-          </a:prstGeom>
-          <a:ln w="12700">
-            <a:solidFill>
-              <a:schemeClr val="tx1"/>
-            </a:solidFill>
-            <a:prstDash val="dash"/>
-            <a:tailEnd type="triangle"/>
-          </a:ln>
-        </p:spPr>
-        <p:style>
-          <a:lnRef idx="1">
-            <a:schemeClr val="accent1"/>
-          </a:lnRef>
-          <a:fillRef idx="0">
-            <a:schemeClr val="accent1"/>
-          </a:fillRef>
-          <a:effectRef idx="0">
-            <a:schemeClr val="accent1"/>
-          </a:effectRef>
-          <a:fontRef idx="minor">
-            <a:schemeClr val="tx1"/>
-          </a:fontRef>
-        </p:style>
-      </p:cxnSp>
-      <p:sp>
-        <p:nvSpPr>
-          <p:cNvPr id="21" name="TextBox 20">
-            <a:extLst>
-              <a:ext uri="{FF2B5EF4-FFF2-40B4-BE49-F238E27FC236}">
-                <a16:creationId xmlns:a16="http://schemas.microsoft.com/office/drawing/2014/main" id="{6C0EB0EB-1E08-2540-8A4C-E6B2642BCCB0}"/>
-              </a:ext>
-            </a:extLst>
-          </p:cNvPr>
-          <p:cNvSpPr txBox="1"/>
-          <p:nvPr/>
-        </p:nvSpPr>
-        <p:spPr>
-          <a:xfrm>
-            <a:off x="5225498" y="3765572"/>
-            <a:ext cx="1130438" cy="553998"/>
-          </a:xfrm>
-          <a:prstGeom prst="rect">
-            <a:avLst/>
-          </a:prstGeom>
-          <a:noFill/>
-        </p:spPr>
-        <p:txBody>
-          <a:bodyPr wrap="none" rtlCol="0">
-            <a:spAutoFit/>
-          </a:bodyPr>
-          <a:lstStyle/>
-          <a:p>
-            <a:pPr algn="ctr"/>
-            <a:r>
-              <a:rPr lang="en-US" sz="1000"/>
-              <a:t>4. k</a:t>
-            </a:r>
-            <a:r>
-              <a:rPr lang="en-KR" sz="1000"/>
-              <a:t>ubelet</a:t>
-            </a:r>
-          </a:p>
-          <a:p>
-            <a:pPr algn="ctr"/>
-            <a:r>
-              <a:rPr lang="en-KR" sz="1000"/>
-              <a:t>sends</a:t>
-            </a:r>
-            <a:r>
-              <a:rPr lang="ko-KR" altLang="en-US" sz="1000"/>
-              <a:t> </a:t>
-            </a:r>
-            <a:r>
-              <a:rPr lang="en-KR" sz="1000"/>
-              <a:t>SIGTERM </a:t>
-            </a:r>
-          </a:p>
-          <a:p>
-            <a:pPr algn="ctr"/>
-            <a:r>
-              <a:rPr lang="en-KR" sz="1000"/>
-              <a:t>signal</a:t>
-            </a:r>
-            <a:r>
-              <a:rPr lang="ko-KR" altLang="en-US" sz="1000"/>
-              <a:t> </a:t>
-            </a:r>
-            <a:r>
-              <a:rPr lang="en-US" sz="1000"/>
-              <a:t>t</a:t>
-            </a:r>
-            <a:r>
-              <a:rPr lang="en-KR" sz="1000"/>
-              <a:t>o App</a:t>
-            </a:r>
-          </a:p>
-        </p:txBody>
-      </p:sp>
-      <p:cxnSp>
-        <p:nvCxnSpPr>
-          <p:cNvPr id="30" name="Straight Arrow Connector 29">
-            <a:extLst>
-              <a:ext uri="{FF2B5EF4-FFF2-40B4-BE49-F238E27FC236}">
-                <a16:creationId xmlns:a16="http://schemas.microsoft.com/office/drawing/2014/main" id="{6241CF7A-CD35-C248-9EF0-1A11F17CBA0B}"/>
-              </a:ext>
-            </a:extLst>
-          </p:cNvPr>
-          <p:cNvCxnSpPr>
-            <a:cxnSpLocks/>
-          </p:cNvCxnSpPr>
-          <p:nvPr/>
-        </p:nvCxnSpPr>
-        <p:spPr>
-          <a:xfrm>
-            <a:off x="2184607" y="627534"/>
-            <a:ext cx="0" cy="2934481"/>
+            <a:off x="2398346" y="627534"/>
+            <a:ext cx="0" cy="2923156"/>
           </a:xfrm>
           <a:prstGeom prst="straightConnector1">
             <a:avLst/>
@@ -7410,6 +7115,301 @@
       </p:cxnSp>
       <p:cxnSp>
         <p:nvCxnSpPr>
+          <p:cNvPr id="6" name="Straight Arrow Connector 5">
+            <a:extLst>
+              <a:ext uri="{FF2B5EF4-FFF2-40B4-BE49-F238E27FC236}">
+                <a16:creationId xmlns:a16="http://schemas.microsoft.com/office/drawing/2014/main" id="{74871440-9BBE-E240-AB7C-F6C7B20A9CD0}"/>
+              </a:ext>
+            </a:extLst>
+          </p:cNvPr>
+          <p:cNvCxnSpPr>
+            <a:cxnSpLocks/>
+          </p:cNvCxnSpPr>
+          <p:nvPr/>
+        </p:nvCxnSpPr>
+        <p:spPr>
+          <a:xfrm>
+            <a:off x="899592" y="3550690"/>
+            <a:ext cx="6840760" cy="0"/>
+          </a:xfrm>
+          <a:prstGeom prst="straightConnector1">
+            <a:avLst/>
+          </a:prstGeom>
+          <a:ln w="28575">
+            <a:solidFill>
+              <a:schemeClr val="tx1"/>
+            </a:solidFill>
+            <a:headEnd type="none" w="med" len="med"/>
+            <a:tailEnd type="arrow" w="med" len="med"/>
+          </a:ln>
+        </p:spPr>
+        <p:style>
+          <a:lnRef idx="1">
+            <a:schemeClr val="accent1"/>
+          </a:lnRef>
+          <a:fillRef idx="0">
+            <a:schemeClr val="accent1"/>
+          </a:fillRef>
+          <a:effectRef idx="0">
+            <a:schemeClr val="accent1"/>
+          </a:effectRef>
+          <a:fontRef idx="minor">
+            <a:schemeClr val="tx1"/>
+          </a:fontRef>
+        </p:style>
+      </p:cxnSp>
+      <p:sp>
+        <p:nvSpPr>
+          <p:cNvPr id="8" name="TextBox 7">
+            <a:extLst>
+              <a:ext uri="{FF2B5EF4-FFF2-40B4-BE49-F238E27FC236}">
+                <a16:creationId xmlns:a16="http://schemas.microsoft.com/office/drawing/2014/main" id="{6703E843-BE1F-FA4C-9136-E280FBBAA2AA}"/>
+              </a:ext>
+            </a:extLst>
+          </p:cNvPr>
+          <p:cNvSpPr txBox="1"/>
+          <p:nvPr/>
+        </p:nvSpPr>
+        <p:spPr>
+          <a:xfrm>
+            <a:off x="905315" y="3562015"/>
+            <a:ext cx="484428" cy="246221"/>
+          </a:xfrm>
+          <a:prstGeom prst="rect">
+            <a:avLst/>
+          </a:prstGeom>
+          <a:noFill/>
+        </p:spPr>
+        <p:txBody>
+          <a:bodyPr wrap="none" rtlCol="0">
+            <a:spAutoFit/>
+          </a:bodyPr>
+          <a:lstStyle/>
+          <a:p>
+            <a:r>
+              <a:rPr lang="en-KR" sz="1000" b="1"/>
+              <a:t>Time</a:t>
+            </a:r>
+          </a:p>
+        </p:txBody>
+      </p:sp>
+      <p:sp>
+        <p:nvSpPr>
+          <p:cNvPr id="9" name="사각형: 둥근 모서리 36">
+            <a:extLst>
+              <a:ext uri="{FF2B5EF4-FFF2-40B4-BE49-F238E27FC236}">
+                <a16:creationId xmlns:a16="http://schemas.microsoft.com/office/drawing/2014/main" id="{A1C7F864-2614-BF4D-A2F9-B92AD700B407}"/>
+              </a:ext>
+            </a:extLst>
+          </p:cNvPr>
+          <p:cNvSpPr/>
+          <p:nvPr/>
+        </p:nvSpPr>
+        <p:spPr>
+          <a:xfrm>
+            <a:off x="2398345" y="3052293"/>
+            <a:ext cx="3181755" cy="360036"/>
+          </a:xfrm>
+          <a:prstGeom prst="roundRect">
+            <a:avLst>
+              <a:gd name="adj" fmla="val 0"/>
+            </a:avLst>
+          </a:prstGeom>
+          <a:ln w="12700"/>
+        </p:spPr>
+        <p:style>
+          <a:lnRef idx="2">
+            <a:schemeClr val="dk1"/>
+          </a:lnRef>
+          <a:fillRef idx="1">
+            <a:schemeClr val="lt1"/>
+          </a:fillRef>
+          <a:effectRef idx="0">
+            <a:schemeClr val="dk1"/>
+          </a:effectRef>
+          <a:fontRef idx="minor">
+            <a:schemeClr val="dk1"/>
+          </a:fontRef>
+        </p:style>
+        <p:txBody>
+          <a:bodyPr rtlCol="0" anchor="ctr"/>
+          <a:lstStyle/>
+          <a:p>
+            <a:pPr algn="ctr"/>
+            <a:r>
+              <a:rPr lang="en-US" altLang="ko-KR" sz="1000"/>
+              <a:t>App Container preStop Hook</a:t>
+            </a:r>
+            <a:endParaRPr lang="ko-KR" altLang="en-US" sz="1000"/>
+          </a:p>
+        </p:txBody>
+      </p:sp>
+      <p:cxnSp>
+        <p:nvCxnSpPr>
+          <p:cNvPr id="10" name="Straight Arrow Connector 9">
+            <a:extLst>
+              <a:ext uri="{FF2B5EF4-FFF2-40B4-BE49-F238E27FC236}">
+                <a16:creationId xmlns:a16="http://schemas.microsoft.com/office/drawing/2014/main" id="{820C7B36-44F7-EC4F-B465-E81EE04C42C6}"/>
+              </a:ext>
+            </a:extLst>
+          </p:cNvPr>
+          <p:cNvCxnSpPr>
+            <a:cxnSpLocks/>
+          </p:cNvCxnSpPr>
+          <p:nvPr/>
+        </p:nvCxnSpPr>
+        <p:spPr>
+          <a:xfrm flipV="1">
+            <a:off x="2184856" y="3556346"/>
+            <a:ext cx="0" cy="209226"/>
+          </a:xfrm>
+          <a:prstGeom prst="straightConnector1">
+            <a:avLst/>
+          </a:prstGeom>
+          <a:ln w="12700">
+            <a:solidFill>
+              <a:schemeClr val="tx1"/>
+            </a:solidFill>
+            <a:prstDash val="dash"/>
+            <a:tailEnd type="triangle"/>
+          </a:ln>
+        </p:spPr>
+        <p:style>
+          <a:lnRef idx="1">
+            <a:schemeClr val="accent1"/>
+          </a:lnRef>
+          <a:fillRef idx="0">
+            <a:schemeClr val="accent1"/>
+          </a:fillRef>
+          <a:effectRef idx="0">
+            <a:schemeClr val="accent1"/>
+          </a:effectRef>
+          <a:fontRef idx="minor">
+            <a:schemeClr val="tx1"/>
+          </a:fontRef>
+        </p:style>
+      </p:cxnSp>
+      <p:cxnSp>
+        <p:nvCxnSpPr>
+          <p:cNvPr id="16" name="Straight Arrow Connector 15">
+            <a:extLst>
+              <a:ext uri="{FF2B5EF4-FFF2-40B4-BE49-F238E27FC236}">
+                <a16:creationId xmlns:a16="http://schemas.microsoft.com/office/drawing/2014/main" id="{39C01842-CE18-A642-A9E4-165CE4B9538C}"/>
+              </a:ext>
+            </a:extLst>
+          </p:cNvPr>
+          <p:cNvCxnSpPr>
+            <a:cxnSpLocks/>
+          </p:cNvCxnSpPr>
+          <p:nvPr/>
+        </p:nvCxnSpPr>
+        <p:spPr>
+          <a:xfrm flipV="1">
+            <a:off x="5787824" y="3556346"/>
+            <a:ext cx="0" cy="209226"/>
+          </a:xfrm>
+          <a:prstGeom prst="straightConnector1">
+            <a:avLst/>
+          </a:prstGeom>
+          <a:ln w="12700">
+            <a:solidFill>
+              <a:schemeClr val="tx1"/>
+            </a:solidFill>
+            <a:prstDash val="dash"/>
+            <a:tailEnd type="triangle"/>
+          </a:ln>
+        </p:spPr>
+        <p:style>
+          <a:lnRef idx="1">
+            <a:schemeClr val="accent1"/>
+          </a:lnRef>
+          <a:fillRef idx="0">
+            <a:schemeClr val="accent1"/>
+          </a:fillRef>
+          <a:effectRef idx="0">
+            <a:schemeClr val="accent1"/>
+          </a:effectRef>
+          <a:fontRef idx="minor">
+            <a:schemeClr val="tx1"/>
+          </a:fontRef>
+        </p:style>
+      </p:cxnSp>
+      <p:sp>
+        <p:nvSpPr>
+          <p:cNvPr id="21" name="TextBox 20">
+            <a:extLst>
+              <a:ext uri="{FF2B5EF4-FFF2-40B4-BE49-F238E27FC236}">
+                <a16:creationId xmlns:a16="http://schemas.microsoft.com/office/drawing/2014/main" id="{6C0EB0EB-1E08-2540-8A4C-E6B2642BCCB0}"/>
+              </a:ext>
+            </a:extLst>
+          </p:cNvPr>
+          <p:cNvSpPr txBox="1"/>
+          <p:nvPr/>
+        </p:nvSpPr>
+        <p:spPr>
+          <a:xfrm>
+            <a:off x="5225498" y="3765572"/>
+            <a:ext cx="1130438" cy="553998"/>
+          </a:xfrm>
+          <a:prstGeom prst="rect">
+            <a:avLst/>
+          </a:prstGeom>
+          <a:noFill/>
+        </p:spPr>
+        <p:txBody>
+          <a:bodyPr wrap="none" rtlCol="0">
+            <a:spAutoFit/>
+          </a:bodyPr>
+          <a:lstStyle/>
+          <a:p>
+            <a:pPr algn="ctr"/>
+            <a:r>
+              <a:rPr lang="en-US" sz="1000"/>
+              <a:t>4. k</a:t>
+            </a:r>
+            <a:r>
+              <a:rPr lang="en-KR" sz="1000"/>
+              <a:t>ubelet</a:t>
+            </a:r>
+          </a:p>
+          <a:p>
+            <a:pPr algn="ctr"/>
+            <a:r>
+              <a:rPr lang="en-KR" sz="1000"/>
+              <a:t>sends</a:t>
+            </a:r>
+            <a:r>
+              <a:rPr lang="ko-KR" altLang="en-US" sz="1000"/>
+              <a:t> </a:t>
+            </a:r>
+            <a:r>
+              <a:rPr lang="en-KR" sz="1000"/>
+              <a:t>SIGTERM </a:t>
+            </a:r>
+          </a:p>
+          <a:p>
+            <a:pPr algn="ctr"/>
+            <a:r>
+              <a:rPr lang="en-KR" sz="1000"/>
+              <a:t>signal</a:t>
+            </a:r>
+            <a:r>
+              <a:rPr lang="ko-KR" altLang="en-US" sz="1000"/>
+              <a:t> </a:t>
+            </a:r>
+            <a:r>
+              <a:rPr lang="en-US" sz="1000"/>
+              <a:t>t</a:t>
+            </a:r>
+            <a:r>
+              <a:rPr lang="en-KR" sz="1000"/>
+              <a:t>o App</a:t>
+            </a:r>
+          </a:p>
+        </p:txBody>
+      </p:sp>
+      <p:cxnSp>
+        <p:nvCxnSpPr>
           <p:cNvPr id="37" name="Straight Arrow Connector 36">
             <a:extLst>
               <a:ext uri="{FF2B5EF4-FFF2-40B4-BE49-F238E27FC236}">
@@ -7502,10 +7502,10 @@
       </p:cxnSp>
       <p:cxnSp>
         <p:nvCxnSpPr>
-          <p:cNvPr id="51" name="Straight Arrow Connector 50">
-            <a:extLst>
-              <a:ext uri="{FF2B5EF4-FFF2-40B4-BE49-F238E27FC236}">
-                <a16:creationId xmlns:a16="http://schemas.microsoft.com/office/drawing/2014/main" id="{DC902DB5-E286-0345-8212-03AF3E37BA66}"/>
+          <p:cNvPr id="54" name="Straight Arrow Connector 53">
+            <a:extLst>
+              <a:ext uri="{FF2B5EF4-FFF2-40B4-BE49-F238E27FC236}">
+                <a16:creationId xmlns:a16="http://schemas.microsoft.com/office/drawing/2014/main" id="{0D874EDB-25C5-6941-BD18-67AA9E05F05C}"/>
               </a:ext>
             </a:extLst>
           </p:cNvPr>
@@ -7515,9 +7515,340 @@
           <p:nvPr/>
         </p:nvCxnSpPr>
         <p:spPr>
-          <a:xfrm>
-            <a:off x="2398346" y="2326554"/>
-            <a:ext cx="0" cy="1224136"/>
+          <a:xfrm flipH="1">
+            <a:off x="2184359" y="2326554"/>
+            <a:ext cx="213987" cy="0"/>
+          </a:xfrm>
+          <a:prstGeom prst="straightConnector1">
+            <a:avLst/>
+          </a:prstGeom>
+          <a:ln w="12700">
+            <a:solidFill>
+              <a:schemeClr val="tx2"/>
+            </a:solidFill>
+            <a:prstDash val="solid"/>
+            <a:headEnd type="triangle" w="med" len="med"/>
+            <a:tailEnd type="triangle" w="med" len="med"/>
+          </a:ln>
+        </p:spPr>
+        <p:style>
+          <a:lnRef idx="1">
+            <a:schemeClr val="accent1"/>
+          </a:lnRef>
+          <a:fillRef idx="0">
+            <a:schemeClr val="accent1"/>
+          </a:fillRef>
+          <a:effectRef idx="0">
+            <a:schemeClr val="accent1"/>
+          </a:effectRef>
+          <a:fontRef idx="minor">
+            <a:schemeClr val="tx1"/>
+          </a:fontRef>
+        </p:style>
+      </p:cxnSp>
+      <p:sp>
+        <p:nvSpPr>
+          <p:cNvPr id="58" name="사각형: 둥근 모서리 36">
+            <a:extLst>
+              <a:ext uri="{FF2B5EF4-FFF2-40B4-BE49-F238E27FC236}">
+                <a16:creationId xmlns:a16="http://schemas.microsoft.com/office/drawing/2014/main" id="{2FC01194-2E2F-524E-849B-1872473B4AB9}"/>
+              </a:ext>
+            </a:extLst>
+          </p:cNvPr>
+          <p:cNvSpPr/>
+          <p:nvPr/>
+        </p:nvSpPr>
+        <p:spPr>
+          <a:xfrm>
+            <a:off x="1234852" y="1688144"/>
+            <a:ext cx="1824979" cy="294176"/>
+          </a:xfrm>
+          <a:prstGeom prst="roundRect">
+            <a:avLst>
+              <a:gd name="adj" fmla="val 0"/>
+            </a:avLst>
+          </a:prstGeom>
+          <a:ln w="12700">
+            <a:solidFill>
+              <a:schemeClr val="tx2"/>
+            </a:solidFill>
+          </a:ln>
+        </p:spPr>
+        <p:style>
+          <a:lnRef idx="2">
+            <a:schemeClr val="dk1"/>
+          </a:lnRef>
+          <a:fillRef idx="1">
+            <a:schemeClr val="lt1"/>
+          </a:fillRef>
+          <a:effectRef idx="0">
+            <a:schemeClr val="dk1"/>
+          </a:effectRef>
+          <a:fontRef idx="minor">
+            <a:schemeClr val="dk1"/>
+          </a:fontRef>
+        </p:style>
+        <p:txBody>
+          <a:bodyPr rtlCol="0" anchor="ctr"/>
+          <a:lstStyle/>
+          <a:p>
+            <a:pPr algn="ctr"/>
+            <a:r>
+              <a:rPr lang="en-US" altLang="ko-KR" sz="800">
+                <a:solidFill>
+                  <a:schemeClr val="tx2"/>
+                </a:solidFill>
+              </a:rPr>
+              <a:t>Request Delivery Time</a:t>
+            </a:r>
+          </a:p>
+          <a:p>
+            <a:pPr algn="ctr"/>
+            <a:r>
+              <a:rPr lang="en-US" altLang="ko-KR" sz="800">
+                <a:solidFill>
+                  <a:schemeClr val="tx2"/>
+                </a:solidFill>
+              </a:rPr>
+              <a:t>(K8s API Server </a:t>
+            </a:r>
+            <a:r>
+              <a:rPr lang="en-US" altLang="ko-KR" sz="800">
+                <a:solidFill>
+                  <a:schemeClr val="tx2"/>
+                </a:solidFill>
+                <a:sym typeface="Wingdings" pitchFamily="2" charset="2"/>
+              </a:rPr>
+              <a:t> kubelet) </a:t>
+            </a:r>
+            <a:endParaRPr lang="ko-KR" altLang="en-US" sz="800">
+              <a:solidFill>
+                <a:schemeClr val="tx2"/>
+              </a:solidFill>
+            </a:endParaRPr>
+          </a:p>
+        </p:txBody>
+      </p:sp>
+      <p:sp>
+        <p:nvSpPr>
+          <p:cNvPr id="59" name="사각형: 둥근 모서리 36">
+            <a:extLst>
+              <a:ext uri="{FF2B5EF4-FFF2-40B4-BE49-F238E27FC236}">
+                <a16:creationId xmlns:a16="http://schemas.microsoft.com/office/drawing/2014/main" id="{D44E83F9-5EC4-694E-9EB7-EE4CAAD2D7E6}"/>
+              </a:ext>
+            </a:extLst>
+          </p:cNvPr>
+          <p:cNvSpPr/>
+          <p:nvPr/>
+        </p:nvSpPr>
+        <p:spPr>
+          <a:xfrm>
+            <a:off x="3059832" y="1688144"/>
+            <a:ext cx="996746" cy="294176"/>
+          </a:xfrm>
+          <a:prstGeom prst="roundRect">
+            <a:avLst>
+              <a:gd name="adj" fmla="val 0"/>
+            </a:avLst>
+          </a:prstGeom>
+          <a:ln w="12700">
+            <a:solidFill>
+              <a:schemeClr val="tx2"/>
+            </a:solidFill>
+          </a:ln>
+        </p:spPr>
+        <p:style>
+          <a:lnRef idx="2">
+            <a:schemeClr val="dk1"/>
+          </a:lnRef>
+          <a:fillRef idx="1">
+            <a:schemeClr val="lt1"/>
+          </a:fillRef>
+          <a:effectRef idx="0">
+            <a:schemeClr val="dk1"/>
+          </a:effectRef>
+          <a:fontRef idx="minor">
+            <a:schemeClr val="dk1"/>
+          </a:fontRef>
+        </p:style>
+        <p:txBody>
+          <a:bodyPr rtlCol="0" anchor="ctr"/>
+          <a:lstStyle/>
+          <a:p>
+            <a:pPr algn="ctr"/>
+            <a:r>
+              <a:rPr lang="en-US" altLang="ko-KR" sz="800">
+                <a:solidFill>
+                  <a:schemeClr val="tx2"/>
+                </a:solidFill>
+              </a:rPr>
+              <a:t>kubelet Processing Time</a:t>
+            </a:r>
+            <a:endParaRPr lang="ko-KR" altLang="en-US" sz="800">
+              <a:solidFill>
+                <a:schemeClr val="tx2"/>
+              </a:solidFill>
+            </a:endParaRPr>
+          </a:p>
+        </p:txBody>
+      </p:sp>
+      <p:cxnSp>
+        <p:nvCxnSpPr>
+          <p:cNvPr id="62" name="Straight Arrow Connector 61">
+            <a:extLst>
+              <a:ext uri="{FF2B5EF4-FFF2-40B4-BE49-F238E27FC236}">
+                <a16:creationId xmlns:a16="http://schemas.microsoft.com/office/drawing/2014/main" id="{E033A689-1427-ED4D-B764-E2688CB38835}"/>
+              </a:ext>
+            </a:extLst>
+          </p:cNvPr>
+          <p:cNvCxnSpPr>
+            <a:cxnSpLocks/>
+          </p:cNvCxnSpPr>
+          <p:nvPr/>
+        </p:nvCxnSpPr>
+        <p:spPr>
+          <a:xfrm flipH="1">
+            <a:off x="2398348" y="1982320"/>
+            <a:ext cx="1649216" cy="344234"/>
+          </a:xfrm>
+          <a:prstGeom prst="straightConnector1">
+            <a:avLst/>
+          </a:prstGeom>
+          <a:ln w="12700">
+            <a:solidFill>
+              <a:schemeClr val="tx2"/>
+            </a:solidFill>
+            <a:prstDash val="solid"/>
+            <a:headEnd type="none" w="med" len="med"/>
+            <a:tailEnd type="none" w="med" len="med"/>
+          </a:ln>
+        </p:spPr>
+        <p:style>
+          <a:lnRef idx="1">
+            <a:schemeClr val="accent1"/>
+          </a:lnRef>
+          <a:fillRef idx="0">
+            <a:schemeClr val="accent1"/>
+          </a:fillRef>
+          <a:effectRef idx="0">
+            <a:schemeClr val="accent1"/>
+          </a:effectRef>
+          <a:fontRef idx="minor">
+            <a:schemeClr val="tx1"/>
+          </a:fontRef>
+        </p:style>
+      </p:cxnSp>
+      <p:cxnSp>
+        <p:nvCxnSpPr>
+          <p:cNvPr id="65" name="Straight Arrow Connector 64">
+            <a:extLst>
+              <a:ext uri="{FF2B5EF4-FFF2-40B4-BE49-F238E27FC236}">
+                <a16:creationId xmlns:a16="http://schemas.microsoft.com/office/drawing/2014/main" id="{329563B5-A050-6D47-930A-72147218A9F0}"/>
+              </a:ext>
+            </a:extLst>
+          </p:cNvPr>
+          <p:cNvCxnSpPr>
+            <a:cxnSpLocks/>
+          </p:cNvCxnSpPr>
+          <p:nvPr/>
+        </p:nvCxnSpPr>
+        <p:spPr>
+          <a:xfrm flipH="1" flipV="1">
+            <a:off x="1228590" y="1982320"/>
+            <a:ext cx="967156" cy="344236"/>
+          </a:xfrm>
+          <a:prstGeom prst="straightConnector1">
+            <a:avLst/>
+          </a:prstGeom>
+          <a:ln w="12700">
+            <a:solidFill>
+              <a:schemeClr val="tx2"/>
+            </a:solidFill>
+            <a:prstDash val="solid"/>
+            <a:headEnd type="none" w="med" len="med"/>
+            <a:tailEnd type="none" w="med" len="med"/>
+          </a:ln>
+        </p:spPr>
+        <p:style>
+          <a:lnRef idx="1">
+            <a:schemeClr val="accent1"/>
+          </a:lnRef>
+          <a:fillRef idx="0">
+            <a:schemeClr val="accent1"/>
+          </a:fillRef>
+          <a:effectRef idx="0">
+            <a:schemeClr val="accent1"/>
+          </a:effectRef>
+          <a:fontRef idx="minor">
+            <a:schemeClr val="tx1"/>
+          </a:fontRef>
+        </p:style>
+      </p:cxnSp>
+      <p:sp>
+        <p:nvSpPr>
+          <p:cNvPr id="69" name="TextBox 68">
+            <a:extLst>
+              <a:ext uri="{FF2B5EF4-FFF2-40B4-BE49-F238E27FC236}">
+                <a16:creationId xmlns:a16="http://schemas.microsoft.com/office/drawing/2014/main" id="{00D8FD36-BA7B-1C43-8024-41C61DEACF5A}"/>
+              </a:ext>
+            </a:extLst>
+          </p:cNvPr>
+          <p:cNvSpPr txBox="1"/>
+          <p:nvPr/>
+        </p:nvSpPr>
+        <p:spPr>
+          <a:xfrm>
+            <a:off x="1430466" y="2028977"/>
+            <a:ext cx="1733168" cy="215444"/>
+          </a:xfrm>
+          <a:prstGeom prst="rect">
+            <a:avLst/>
+          </a:prstGeom>
+          <a:solidFill>
+            <a:schemeClr val="bg1"/>
+          </a:solidFill>
+        </p:spPr>
+        <p:txBody>
+          <a:bodyPr wrap="none" rtlCol="0">
+            <a:spAutoFit/>
+          </a:bodyPr>
+          <a:lstStyle/>
+          <a:p>
+            <a:pPr algn="ctr"/>
+            <a:r>
+              <a:rPr lang="en-US" sz="800">
+                <a:solidFill>
+                  <a:schemeClr val="tx2"/>
+                </a:solidFill>
+              </a:rPr>
+              <a:t>preStop Hook Propagation Delay</a:t>
+            </a:r>
+            <a:endParaRPr lang="en-KR" sz="800">
+              <a:solidFill>
+                <a:schemeClr val="tx2"/>
+              </a:solidFill>
+            </a:endParaRPr>
+          </a:p>
+        </p:txBody>
+      </p:sp>
+      <p:cxnSp>
+        <p:nvCxnSpPr>
+          <p:cNvPr id="74" name="Straight Arrow Connector 73">
+            <a:extLst>
+              <a:ext uri="{FF2B5EF4-FFF2-40B4-BE49-F238E27FC236}">
+                <a16:creationId xmlns:a16="http://schemas.microsoft.com/office/drawing/2014/main" id="{BB2B02E8-FE1B-E841-A5A9-003F5BA25D07}"/>
+              </a:ext>
+            </a:extLst>
+          </p:cNvPr>
+          <p:cNvCxnSpPr>
+            <a:cxnSpLocks/>
+          </p:cNvCxnSpPr>
+          <p:nvPr/>
+        </p:nvCxnSpPr>
+        <p:spPr>
+          <a:xfrm>
+            <a:off x="4663069" y="1479926"/>
+            <a:ext cx="0" cy="2070764"/>
           </a:xfrm>
           <a:prstGeom prst="straightConnector1">
             <a:avLst/>
@@ -7546,12 +7877,62 @@
           </a:fontRef>
         </p:style>
       </p:cxnSp>
+      <p:sp>
+        <p:nvSpPr>
+          <p:cNvPr id="77" name="TextBox 76">
+            <a:extLst>
+              <a:ext uri="{FF2B5EF4-FFF2-40B4-BE49-F238E27FC236}">
+                <a16:creationId xmlns:a16="http://schemas.microsoft.com/office/drawing/2014/main" id="{A7257EB5-9562-FB48-8629-301D1361D17C}"/>
+              </a:ext>
+            </a:extLst>
+          </p:cNvPr>
+          <p:cNvSpPr txBox="1"/>
+          <p:nvPr/>
+        </p:nvSpPr>
+        <p:spPr>
+          <a:xfrm>
+            <a:off x="3898058" y="3765572"/>
+            <a:ext cx="1521570" cy="553998"/>
+          </a:xfrm>
+          <a:prstGeom prst="rect">
+            <a:avLst/>
+          </a:prstGeom>
+          <a:noFill/>
+        </p:spPr>
+        <p:txBody>
+          <a:bodyPr wrap="none" rtlCol="0">
+            <a:spAutoFit/>
+          </a:bodyPr>
+          <a:lstStyle/>
+          <a:p>
+            <a:pPr algn="ctr"/>
+            <a:r>
+              <a:rPr lang="en-US" sz="1000"/>
+              <a:t>3. kube-proxy removes</a:t>
+            </a:r>
+          </a:p>
+          <a:p>
+            <a:pPr algn="ctr"/>
+            <a:r>
+              <a:rPr lang="en-US" sz="1000"/>
+              <a:t>forwarding rules for </a:t>
+            </a:r>
+          </a:p>
+          <a:p>
+            <a:pPr algn="ctr"/>
+            <a:r>
+              <a:rPr lang="en-US" sz="1000"/>
+              <a:t>the deleted pod </a:t>
+            </a:r>
+          </a:p>
+        </p:txBody>
+      </p:sp>
       <p:cxnSp>
         <p:nvCxnSpPr>
-          <p:cNvPr id="54" name="Straight Arrow Connector 53">
-            <a:extLst>
-              <a:ext uri="{FF2B5EF4-FFF2-40B4-BE49-F238E27FC236}">
-                <a16:creationId xmlns:a16="http://schemas.microsoft.com/office/drawing/2014/main" id="{0D874EDB-25C5-6941-BD18-67AA9E05F05C}"/>
+          <p:cNvPr id="78" name="Straight Arrow Connector 77">
+            <a:extLst>
+              <a:ext uri="{FF2B5EF4-FFF2-40B4-BE49-F238E27FC236}">
+                <a16:creationId xmlns:a16="http://schemas.microsoft.com/office/drawing/2014/main" id="{AC1C9DFB-879F-4449-8299-A6363C7C5171}"/>
               </a:ext>
             </a:extLst>
           </p:cNvPr>
@@ -7561,8 +7942,536 @@
           <p:nvPr/>
         </p:nvCxnSpPr>
         <p:spPr>
+          <a:xfrm flipV="1">
+            <a:off x="4666048" y="3556346"/>
+            <a:ext cx="0" cy="209226"/>
+          </a:xfrm>
+          <a:prstGeom prst="straightConnector1">
+            <a:avLst/>
+          </a:prstGeom>
+          <a:ln w="12700">
+            <a:solidFill>
+              <a:schemeClr val="tx1"/>
+            </a:solidFill>
+            <a:prstDash val="dash"/>
+            <a:tailEnd type="triangle"/>
+          </a:ln>
+        </p:spPr>
+        <p:style>
+          <a:lnRef idx="1">
+            <a:schemeClr val="accent1"/>
+          </a:lnRef>
+          <a:fillRef idx="0">
+            <a:schemeClr val="accent1"/>
+          </a:fillRef>
+          <a:effectRef idx="0">
+            <a:schemeClr val="accent1"/>
+          </a:effectRef>
+          <a:fontRef idx="minor">
+            <a:schemeClr val="tx1"/>
+          </a:fontRef>
+        </p:style>
+      </p:cxnSp>
+      <p:cxnSp>
+        <p:nvCxnSpPr>
+          <p:cNvPr id="82" name="Straight Arrow Connector 81">
+            <a:extLst>
+              <a:ext uri="{FF2B5EF4-FFF2-40B4-BE49-F238E27FC236}">
+                <a16:creationId xmlns:a16="http://schemas.microsoft.com/office/drawing/2014/main" id="{8FE03C6B-4CDA-BB42-BB86-B9DB7D0B068B}"/>
+              </a:ext>
+            </a:extLst>
+          </p:cNvPr>
+          <p:cNvCxnSpPr>
+            <a:cxnSpLocks/>
+          </p:cNvCxnSpPr>
+          <p:nvPr/>
+        </p:nvCxnSpPr>
+        <p:spPr>
           <a:xfrm flipH="1">
-            <a:off x="2184359" y="2326554"/>
+            <a:off x="2184360" y="1479926"/>
+            <a:ext cx="2478709" cy="0"/>
+          </a:xfrm>
+          <a:prstGeom prst="straightConnector1">
+            <a:avLst/>
+          </a:prstGeom>
+          <a:ln w="12700">
+            <a:solidFill>
+              <a:schemeClr val="accent2"/>
+            </a:solidFill>
+            <a:prstDash val="solid"/>
+            <a:headEnd type="triangle" w="med" len="med"/>
+            <a:tailEnd type="triangle" w="med" len="med"/>
+          </a:ln>
+        </p:spPr>
+        <p:style>
+          <a:lnRef idx="1">
+            <a:schemeClr val="accent1"/>
+          </a:lnRef>
+          <a:fillRef idx="0">
+            <a:schemeClr val="accent1"/>
+          </a:fillRef>
+          <a:effectRef idx="0">
+            <a:schemeClr val="accent1"/>
+          </a:effectRef>
+          <a:fontRef idx="minor">
+            <a:schemeClr val="tx1"/>
+          </a:fontRef>
+        </p:style>
+      </p:cxnSp>
+      <p:sp>
+        <p:nvSpPr>
+          <p:cNvPr id="87" name="사각형: 둥근 모서리 36">
+            <a:extLst>
+              <a:ext uri="{FF2B5EF4-FFF2-40B4-BE49-F238E27FC236}">
+                <a16:creationId xmlns:a16="http://schemas.microsoft.com/office/drawing/2014/main" id="{F22B39D0-1538-0F45-9D68-388D836FB71C}"/>
+              </a:ext>
+            </a:extLst>
+          </p:cNvPr>
+          <p:cNvSpPr/>
+          <p:nvPr/>
+        </p:nvSpPr>
+        <p:spPr>
+          <a:xfrm>
+            <a:off x="2783213" y="908508"/>
+            <a:ext cx="1423760" cy="294176"/>
+          </a:xfrm>
+          <a:prstGeom prst="roundRect">
+            <a:avLst>
+              <a:gd name="adj" fmla="val 0"/>
+            </a:avLst>
+          </a:prstGeom>
+          <a:ln w="12700">
+            <a:solidFill>
+              <a:schemeClr val="accent2"/>
+            </a:solidFill>
+          </a:ln>
+        </p:spPr>
+        <p:style>
+          <a:lnRef idx="2">
+            <a:schemeClr val="dk1"/>
+          </a:lnRef>
+          <a:fillRef idx="1">
+            <a:schemeClr val="lt1"/>
+          </a:fillRef>
+          <a:effectRef idx="0">
+            <a:schemeClr val="dk1"/>
+          </a:effectRef>
+          <a:fontRef idx="minor">
+            <a:schemeClr val="dk1"/>
+          </a:fontRef>
+        </p:style>
+        <p:txBody>
+          <a:bodyPr rtlCol="0" anchor="ctr"/>
+          <a:lstStyle/>
+          <a:p>
+            <a:pPr algn="ctr"/>
+            <a:r>
+              <a:rPr lang="en-US" altLang="ko-KR" sz="800">
+                <a:solidFill>
+                  <a:schemeClr val="accent2"/>
+                </a:solidFill>
+              </a:rPr>
+              <a:t>Endpoint Slice Controller</a:t>
+            </a:r>
+            <a:br>
+              <a:rPr lang="en-US" altLang="ko-KR" sz="800">
+                <a:solidFill>
+                  <a:schemeClr val="accent2"/>
+                </a:solidFill>
+              </a:rPr>
+            </a:br>
+            <a:r>
+              <a:rPr lang="en-US" altLang="ko-KR" sz="800">
+                <a:solidFill>
+                  <a:schemeClr val="accent2"/>
+                </a:solidFill>
+              </a:rPr>
+              <a:t>Processing Time</a:t>
+            </a:r>
+            <a:endParaRPr lang="ko-KR" altLang="en-US" sz="800">
+              <a:solidFill>
+                <a:schemeClr val="accent2"/>
+              </a:solidFill>
+            </a:endParaRPr>
+          </a:p>
+        </p:txBody>
+      </p:sp>
+      <p:sp>
+        <p:nvSpPr>
+          <p:cNvPr id="88" name="사각형: 둥근 모서리 36">
+            <a:extLst>
+              <a:ext uri="{FF2B5EF4-FFF2-40B4-BE49-F238E27FC236}">
+                <a16:creationId xmlns:a16="http://schemas.microsoft.com/office/drawing/2014/main" id="{5E58F502-2544-8B42-9BCB-3670587FE911}"/>
+              </a:ext>
+            </a:extLst>
+          </p:cNvPr>
+          <p:cNvSpPr/>
+          <p:nvPr/>
+        </p:nvSpPr>
+        <p:spPr>
+          <a:xfrm>
+            <a:off x="7207346" y="908508"/>
+            <a:ext cx="941784" cy="294176"/>
+          </a:xfrm>
+          <a:prstGeom prst="roundRect">
+            <a:avLst>
+              <a:gd name="adj" fmla="val 0"/>
+            </a:avLst>
+          </a:prstGeom>
+          <a:ln w="12700">
+            <a:solidFill>
+              <a:schemeClr val="accent2"/>
+            </a:solidFill>
+          </a:ln>
+        </p:spPr>
+        <p:style>
+          <a:lnRef idx="2">
+            <a:schemeClr val="dk1"/>
+          </a:lnRef>
+          <a:fillRef idx="1">
+            <a:schemeClr val="lt1"/>
+          </a:fillRef>
+          <a:effectRef idx="0">
+            <a:schemeClr val="dk1"/>
+          </a:effectRef>
+          <a:fontRef idx="minor">
+            <a:schemeClr val="dk1"/>
+          </a:fontRef>
+        </p:style>
+        <p:txBody>
+          <a:bodyPr rtlCol="0" anchor="ctr"/>
+          <a:lstStyle/>
+          <a:p>
+            <a:pPr algn="ctr"/>
+            <a:r>
+              <a:rPr lang="en-US" altLang="ko-KR" sz="800">
+                <a:solidFill>
+                  <a:schemeClr val="accent2"/>
+                </a:solidFill>
+              </a:rPr>
+              <a:t>kube-proxy</a:t>
+            </a:r>
+          </a:p>
+          <a:p>
+            <a:pPr algn="ctr"/>
+            <a:r>
+              <a:rPr lang="en-US" altLang="ko-KR" sz="800">
+                <a:solidFill>
+                  <a:schemeClr val="accent2"/>
+                </a:solidFill>
+              </a:rPr>
+              <a:t>Processing Time</a:t>
+            </a:r>
+            <a:endParaRPr lang="ko-KR" altLang="en-US" sz="800">
+              <a:solidFill>
+                <a:schemeClr val="accent2"/>
+              </a:solidFill>
+            </a:endParaRPr>
+          </a:p>
+        </p:txBody>
+      </p:sp>
+      <p:sp>
+        <p:nvSpPr>
+          <p:cNvPr id="89" name="사각형: 둥근 모서리 36">
+            <a:extLst>
+              <a:ext uri="{FF2B5EF4-FFF2-40B4-BE49-F238E27FC236}">
+                <a16:creationId xmlns:a16="http://schemas.microsoft.com/office/drawing/2014/main" id="{0DDCFB2E-438E-F84A-9A4C-88C52EECD6B7}"/>
+              </a:ext>
+            </a:extLst>
+          </p:cNvPr>
+          <p:cNvSpPr/>
+          <p:nvPr/>
+        </p:nvSpPr>
+        <p:spPr>
+          <a:xfrm>
+            <a:off x="4206973" y="908508"/>
+            <a:ext cx="3000373" cy="294176"/>
+          </a:xfrm>
+          <a:prstGeom prst="roundRect">
+            <a:avLst>
+              <a:gd name="adj" fmla="val 0"/>
+            </a:avLst>
+          </a:prstGeom>
+          <a:ln w="12700">
+            <a:solidFill>
+              <a:schemeClr val="accent2"/>
+            </a:solidFill>
+          </a:ln>
+        </p:spPr>
+        <p:style>
+          <a:lnRef idx="2">
+            <a:schemeClr val="dk1"/>
+          </a:lnRef>
+          <a:fillRef idx="1">
+            <a:schemeClr val="lt1"/>
+          </a:fillRef>
+          <a:effectRef idx="0">
+            <a:schemeClr val="dk1"/>
+          </a:effectRef>
+          <a:fontRef idx="minor">
+            <a:schemeClr val="dk1"/>
+          </a:fontRef>
+        </p:style>
+        <p:txBody>
+          <a:bodyPr rtlCol="0" anchor="ctr"/>
+          <a:lstStyle/>
+          <a:p>
+            <a:pPr algn="ctr"/>
+            <a:r>
+              <a:rPr lang="en-US" altLang="ko-KR" sz="800">
+                <a:solidFill>
+                  <a:schemeClr val="accent2"/>
+                </a:solidFill>
+              </a:rPr>
+              <a:t>Request Delivery Time</a:t>
+            </a:r>
+          </a:p>
+          <a:p>
+            <a:pPr algn="ctr"/>
+            <a:r>
+              <a:rPr lang="en-US" altLang="ko-KR" sz="800">
+                <a:solidFill>
+                  <a:schemeClr val="accent2"/>
+                </a:solidFill>
+              </a:rPr>
+              <a:t>(Endpoint Slice Controller </a:t>
+            </a:r>
+            <a:r>
+              <a:rPr lang="en-US" altLang="ko-KR" sz="800">
+                <a:solidFill>
+                  <a:schemeClr val="accent2"/>
+                </a:solidFill>
+                <a:sym typeface="Wingdings" pitchFamily="2" charset="2"/>
+              </a:rPr>
+              <a:t> </a:t>
+            </a:r>
+            <a:r>
+              <a:rPr lang="en-US" altLang="ko-KR" sz="800">
+                <a:solidFill>
+                  <a:schemeClr val="accent2"/>
+                </a:solidFill>
+              </a:rPr>
+              <a:t>K8s API Server </a:t>
+            </a:r>
+            <a:r>
+              <a:rPr lang="en-US" altLang="ko-KR" sz="800">
+                <a:solidFill>
+                  <a:schemeClr val="accent2"/>
+                </a:solidFill>
+                <a:sym typeface="Wingdings" pitchFamily="2" charset="2"/>
+              </a:rPr>
+              <a:t> kube-proxy)</a:t>
+            </a:r>
+            <a:endParaRPr lang="ko-KR" altLang="en-US" sz="800">
+              <a:solidFill>
+                <a:schemeClr val="accent2"/>
+              </a:solidFill>
+            </a:endParaRPr>
+          </a:p>
+        </p:txBody>
+      </p:sp>
+      <p:cxnSp>
+        <p:nvCxnSpPr>
+          <p:cNvPr id="90" name="Straight Arrow Connector 89">
+            <a:extLst>
+              <a:ext uri="{FF2B5EF4-FFF2-40B4-BE49-F238E27FC236}">
+                <a16:creationId xmlns:a16="http://schemas.microsoft.com/office/drawing/2014/main" id="{564822DF-4B24-D448-92F0-85512728D326}"/>
+              </a:ext>
+            </a:extLst>
+          </p:cNvPr>
+          <p:cNvCxnSpPr>
+            <a:cxnSpLocks/>
+          </p:cNvCxnSpPr>
+          <p:nvPr/>
+        </p:nvCxnSpPr>
+        <p:spPr>
+          <a:xfrm flipH="1" flipV="1">
+            <a:off x="536574" y="1202684"/>
+            <a:ext cx="1647786" cy="277243"/>
+          </a:xfrm>
+          <a:prstGeom prst="straightConnector1">
+            <a:avLst/>
+          </a:prstGeom>
+          <a:ln w="12700">
+            <a:solidFill>
+              <a:schemeClr val="accent2"/>
+            </a:solidFill>
+            <a:prstDash val="solid"/>
+            <a:headEnd type="none" w="med" len="med"/>
+            <a:tailEnd type="none" w="med" len="med"/>
+          </a:ln>
+        </p:spPr>
+        <p:style>
+          <a:lnRef idx="1">
+            <a:schemeClr val="accent1"/>
+          </a:lnRef>
+          <a:fillRef idx="0">
+            <a:schemeClr val="accent1"/>
+          </a:fillRef>
+          <a:effectRef idx="0">
+            <a:schemeClr val="accent1"/>
+          </a:effectRef>
+          <a:fontRef idx="minor">
+            <a:schemeClr val="tx1"/>
+          </a:fontRef>
+        </p:style>
+      </p:cxnSp>
+      <p:cxnSp>
+        <p:nvCxnSpPr>
+          <p:cNvPr id="93" name="Straight Arrow Connector 92">
+            <a:extLst>
+              <a:ext uri="{FF2B5EF4-FFF2-40B4-BE49-F238E27FC236}">
+                <a16:creationId xmlns:a16="http://schemas.microsoft.com/office/drawing/2014/main" id="{15EFB21E-3A59-1844-A5F9-2CEA238BC4A0}"/>
+              </a:ext>
+            </a:extLst>
+          </p:cNvPr>
+          <p:cNvCxnSpPr>
+            <a:cxnSpLocks/>
+          </p:cNvCxnSpPr>
+          <p:nvPr/>
+        </p:nvCxnSpPr>
+        <p:spPr>
+          <a:xfrm flipH="1">
+            <a:off x="4658838" y="1202684"/>
+            <a:ext cx="3490292" cy="265918"/>
+          </a:xfrm>
+          <a:prstGeom prst="straightConnector1">
+            <a:avLst/>
+          </a:prstGeom>
+          <a:ln w="12700">
+            <a:solidFill>
+              <a:schemeClr val="accent2"/>
+            </a:solidFill>
+            <a:prstDash val="solid"/>
+            <a:headEnd type="none" w="med" len="med"/>
+            <a:tailEnd type="none" w="med" len="med"/>
+          </a:ln>
+        </p:spPr>
+        <p:style>
+          <a:lnRef idx="1">
+            <a:schemeClr val="accent1"/>
+          </a:lnRef>
+          <a:fillRef idx="0">
+            <a:schemeClr val="accent1"/>
+          </a:fillRef>
+          <a:effectRef idx="0">
+            <a:schemeClr val="accent1"/>
+          </a:effectRef>
+          <a:fontRef idx="minor">
+            <a:schemeClr val="tx1"/>
+          </a:fontRef>
+        </p:style>
+      </p:cxnSp>
+      <p:sp>
+        <p:nvSpPr>
+          <p:cNvPr id="96" name="TextBox 95">
+            <a:extLst>
+              <a:ext uri="{FF2B5EF4-FFF2-40B4-BE49-F238E27FC236}">
+                <a16:creationId xmlns:a16="http://schemas.microsoft.com/office/drawing/2014/main" id="{4085EB01-1D8F-5140-BE44-BBD28A468F89}"/>
+              </a:ext>
+            </a:extLst>
+          </p:cNvPr>
+          <p:cNvSpPr txBox="1"/>
+          <p:nvPr/>
+        </p:nvSpPr>
+        <p:spPr>
+          <a:xfrm>
+            <a:off x="2505203" y="1247845"/>
+            <a:ext cx="1832553" cy="215444"/>
+          </a:xfrm>
+          <a:prstGeom prst="rect">
+            <a:avLst/>
+          </a:prstGeom>
+          <a:solidFill>
+            <a:schemeClr val="bg1"/>
+          </a:solidFill>
+        </p:spPr>
+        <p:txBody>
+          <a:bodyPr wrap="none" rtlCol="0">
+            <a:spAutoFit/>
+          </a:bodyPr>
+          <a:lstStyle/>
+          <a:p>
+            <a:pPr algn="ctr"/>
+            <a:r>
+              <a:rPr lang="en-US" sz="800" b="1">
+                <a:solidFill>
+                  <a:schemeClr val="accent2"/>
+                </a:solidFill>
+              </a:rPr>
+              <a:t>Endpoint Slice Propagation Delay</a:t>
+            </a:r>
+            <a:endParaRPr lang="en-KR" sz="800" b="1">
+              <a:solidFill>
+                <a:schemeClr val="accent2"/>
+              </a:solidFill>
+            </a:endParaRPr>
+          </a:p>
+        </p:txBody>
+      </p:sp>
+      <p:cxnSp>
+        <p:nvCxnSpPr>
+          <p:cNvPr id="99" name="Straight Arrow Connector 98">
+            <a:extLst>
+              <a:ext uri="{FF2B5EF4-FFF2-40B4-BE49-F238E27FC236}">
+                <a16:creationId xmlns:a16="http://schemas.microsoft.com/office/drawing/2014/main" id="{900D6047-7178-3749-8D4D-EA977D011F2B}"/>
+              </a:ext>
+            </a:extLst>
+          </p:cNvPr>
+          <p:cNvCxnSpPr>
+            <a:cxnSpLocks/>
+          </p:cNvCxnSpPr>
+          <p:nvPr/>
+        </p:nvCxnSpPr>
+        <p:spPr>
+          <a:xfrm>
+            <a:off x="5580100" y="2326554"/>
+            <a:ext cx="0" cy="1085775"/>
+          </a:xfrm>
+          <a:prstGeom prst="straightConnector1">
+            <a:avLst/>
+          </a:prstGeom>
+          <a:ln w="12700">
+            <a:solidFill>
+              <a:schemeClr val="tx1"/>
+            </a:solidFill>
+            <a:prstDash val="dash"/>
+            <a:headEnd type="none" w="med" len="med"/>
+            <a:tailEnd type="none" w="med" len="med"/>
+          </a:ln>
+        </p:spPr>
+        <p:style>
+          <a:lnRef idx="1">
+            <a:schemeClr val="accent1"/>
+          </a:lnRef>
+          <a:fillRef idx="0">
+            <a:schemeClr val="accent1"/>
+          </a:fillRef>
+          <a:effectRef idx="0">
+            <a:schemeClr val="accent1"/>
+          </a:effectRef>
+          <a:fontRef idx="minor">
+            <a:schemeClr val="tx1"/>
+          </a:fontRef>
+        </p:style>
+      </p:cxnSp>
+      <p:cxnSp>
+        <p:nvCxnSpPr>
+          <p:cNvPr id="102" name="Straight Arrow Connector 101">
+            <a:extLst>
+              <a:ext uri="{FF2B5EF4-FFF2-40B4-BE49-F238E27FC236}">
+                <a16:creationId xmlns:a16="http://schemas.microsoft.com/office/drawing/2014/main" id="{CC0C880A-2115-F249-ADE0-4CCFEE5CC290}"/>
+              </a:ext>
+            </a:extLst>
+          </p:cNvPr>
+          <p:cNvCxnSpPr>
+            <a:cxnSpLocks/>
+          </p:cNvCxnSpPr>
+          <p:nvPr/>
+        </p:nvCxnSpPr>
+        <p:spPr>
+          <a:xfrm flipH="1">
+            <a:off x="5580100" y="2326554"/>
             <a:ext cx="213987" cy="0"/>
           </a:xfrm>
           <a:prstGeom prst="straightConnector1">
@@ -7594,10 +8503,10 @@
       </p:cxnSp>
       <p:sp>
         <p:nvSpPr>
-          <p:cNvPr id="58" name="사각형: 둥근 모서리 36">
-            <a:extLst>
-              <a:ext uri="{FF2B5EF4-FFF2-40B4-BE49-F238E27FC236}">
-                <a16:creationId xmlns:a16="http://schemas.microsoft.com/office/drawing/2014/main" id="{2FC01194-2E2F-524E-849B-1872473B4AB9}"/>
+          <p:cNvPr id="104" name="사각형: 둥근 모서리 36">
+            <a:extLst>
+              <a:ext uri="{FF2B5EF4-FFF2-40B4-BE49-F238E27FC236}">
+                <a16:creationId xmlns:a16="http://schemas.microsoft.com/office/drawing/2014/main" id="{5BDBFF7D-F2FC-AA4E-9B93-706E8BFF49FE}"/>
               </a:ext>
             </a:extLst>
           </p:cNvPr>
@@ -7606,90 +8515,7 @@
         </p:nvSpPr>
         <p:spPr>
           <a:xfrm>
-            <a:off x="1234852" y="1688144"/>
-            <a:ext cx="1824979" cy="294176"/>
-          </a:xfrm>
-          <a:prstGeom prst="roundRect">
-            <a:avLst>
-              <a:gd name="adj" fmla="val 0"/>
-            </a:avLst>
-          </a:prstGeom>
-          <a:ln w="12700">
-            <a:solidFill>
-              <a:schemeClr val="tx2"/>
-            </a:solidFill>
-          </a:ln>
-        </p:spPr>
-        <p:style>
-          <a:lnRef idx="2">
-            <a:schemeClr val="dk1"/>
-          </a:lnRef>
-          <a:fillRef idx="1">
-            <a:schemeClr val="lt1"/>
-          </a:fillRef>
-          <a:effectRef idx="0">
-            <a:schemeClr val="dk1"/>
-          </a:effectRef>
-          <a:fontRef idx="minor">
-            <a:schemeClr val="dk1"/>
-          </a:fontRef>
-        </p:style>
-        <p:txBody>
-          <a:bodyPr rtlCol="0" anchor="ctr"/>
-          <a:lstStyle/>
-          <a:p>
-            <a:pPr algn="ctr"/>
-            <a:r>
-              <a:rPr lang="en-US" altLang="ko-KR" sz="800">
-                <a:solidFill>
-                  <a:schemeClr val="tx2"/>
-                </a:solidFill>
-              </a:rPr>
-              <a:t>Request Delivery Time</a:t>
-            </a:r>
-          </a:p>
-          <a:p>
-            <a:pPr algn="ctr"/>
-            <a:r>
-              <a:rPr lang="en-US" altLang="ko-KR" sz="800">
-                <a:solidFill>
-                  <a:schemeClr val="tx2"/>
-                </a:solidFill>
-              </a:rPr>
-              <a:t>(K8s API Server </a:t>
-            </a:r>
-            <a:r>
-              <a:rPr lang="en-US" altLang="ko-KR" sz="800">
-                <a:solidFill>
-                  <a:schemeClr val="tx2"/>
-                </a:solidFill>
-                <a:sym typeface="Wingdings" pitchFamily="2" charset="2"/>
-              </a:rPr>
-              <a:t> kubelet) </a:t>
-            </a:r>
-            <a:endParaRPr lang="ko-KR" altLang="en-US" sz="800">
-              <a:solidFill>
-                <a:schemeClr val="tx2"/>
-              </a:solidFill>
-            </a:endParaRPr>
-          </a:p>
-        </p:txBody>
-      </p:sp>
-      <p:sp>
-        <p:nvSpPr>
-          <p:cNvPr id="59" name="사각형: 둥근 모서리 36">
-            <a:extLst>
-              <a:ext uri="{FF2B5EF4-FFF2-40B4-BE49-F238E27FC236}">
-                <a16:creationId xmlns:a16="http://schemas.microsoft.com/office/drawing/2014/main" id="{D44E83F9-5EC4-694E-9EB7-EE4CAAD2D7E6}"/>
-              </a:ext>
-            </a:extLst>
-          </p:cNvPr>
-          <p:cNvSpPr/>
-          <p:nvPr/>
-        </p:nvSpPr>
-        <p:spPr>
-          <a:xfrm>
-            <a:off x="3059832" y="1688144"/>
+            <a:off x="5202743" y="1688144"/>
             <a:ext cx="996746" cy="294176"/>
           </a:xfrm>
           <a:prstGeom prst="roundRect">
@@ -7740,10 +8566,10 @@
       </p:sp>
       <p:cxnSp>
         <p:nvCxnSpPr>
-          <p:cNvPr id="62" name="Straight Arrow Connector 61">
-            <a:extLst>
-              <a:ext uri="{FF2B5EF4-FFF2-40B4-BE49-F238E27FC236}">
-                <a16:creationId xmlns:a16="http://schemas.microsoft.com/office/drawing/2014/main" id="{E033A689-1427-ED4D-B764-E2688CB38835}"/>
+          <p:cNvPr id="105" name="Straight Arrow Connector 104">
+            <a:extLst>
+              <a:ext uri="{FF2B5EF4-FFF2-40B4-BE49-F238E27FC236}">
+                <a16:creationId xmlns:a16="http://schemas.microsoft.com/office/drawing/2014/main" id="{6CA99836-C966-3E42-838A-348DC8DD9944}"/>
               </a:ext>
             </a:extLst>
           </p:cNvPr>
@@ -7754,8 +8580,8 @@
         </p:nvCxnSpPr>
         <p:spPr>
           <a:xfrm flipH="1">
-            <a:off x="2398348" y="1982320"/>
-            <a:ext cx="1649216" cy="344234"/>
+            <a:off x="5822455" y="1982320"/>
+            <a:ext cx="377034" cy="344234"/>
           </a:xfrm>
           <a:prstGeom prst="straightConnector1">
             <a:avLst/>
@@ -7786,10 +8612,10 @@
       </p:cxnSp>
       <p:cxnSp>
         <p:nvCxnSpPr>
-          <p:cNvPr id="65" name="Straight Arrow Connector 64">
-            <a:extLst>
-              <a:ext uri="{FF2B5EF4-FFF2-40B4-BE49-F238E27FC236}">
-                <a16:creationId xmlns:a16="http://schemas.microsoft.com/office/drawing/2014/main" id="{329563B5-A050-6D47-930A-72147218A9F0}"/>
+          <p:cNvPr id="106" name="Straight Arrow Connector 105">
+            <a:extLst>
+              <a:ext uri="{FF2B5EF4-FFF2-40B4-BE49-F238E27FC236}">
+                <a16:creationId xmlns:a16="http://schemas.microsoft.com/office/drawing/2014/main" id="{B8B1A714-D8E5-4446-AB7E-E46A8C77B052}"/>
               </a:ext>
             </a:extLst>
           </p:cNvPr>
@@ -7800,8 +8626,8 @@
         </p:nvCxnSpPr>
         <p:spPr>
           <a:xfrm flipH="1" flipV="1">
-            <a:off x="1228590" y="1982320"/>
-            <a:ext cx="967156" cy="344236"/>
+            <a:off x="5206949" y="1982320"/>
+            <a:ext cx="373151" cy="344234"/>
           </a:xfrm>
           <a:prstGeom prst="straightConnector1">
             <a:avLst/>
@@ -7832,10 +8658,10 @@
       </p:cxnSp>
       <p:sp>
         <p:nvSpPr>
-          <p:cNvPr id="69" name="TextBox 68">
-            <a:extLst>
-              <a:ext uri="{FF2B5EF4-FFF2-40B4-BE49-F238E27FC236}">
-                <a16:creationId xmlns:a16="http://schemas.microsoft.com/office/drawing/2014/main" id="{00D8FD36-BA7B-1C43-8024-41C61DEACF5A}"/>
+          <p:cNvPr id="107" name="TextBox 106">
+            <a:extLst>
+              <a:ext uri="{FF2B5EF4-FFF2-40B4-BE49-F238E27FC236}">
+                <a16:creationId xmlns:a16="http://schemas.microsoft.com/office/drawing/2014/main" id="{9761F852-80F0-C44E-B58D-60469B5ED0D9}"/>
               </a:ext>
             </a:extLst>
           </p:cNvPr>
@@ -7844,8 +8670,8 @@
         </p:nvSpPr>
         <p:spPr>
           <a:xfrm>
-            <a:off x="1430466" y="2028977"/>
-            <a:ext cx="1733168" cy="215444"/>
+            <a:off x="4756661" y="2030605"/>
+            <a:ext cx="1859805" cy="215444"/>
           </a:xfrm>
           <a:prstGeom prst="rect">
             <a:avLst/>
@@ -7853,6 +8679,9 @@
           <a:solidFill>
             <a:schemeClr val="bg1"/>
           </a:solidFill>
+          <a:ln>
+            <a:noFill/>
+          </a:ln>
         </p:spPr>
         <p:txBody>
           <a:bodyPr wrap="none" rtlCol="0">
@@ -7867,7 +8696,7 @@
                   <a:schemeClr val="tx2"/>
                 </a:solidFill>
               </a:rPr>
-              <a:t>preStop Hook Propagation Delay</a:t>
+              <a:t>SIGTERM Signal Propagation Delay</a:t>
             </a:r>
             <a:endParaRPr lang="en-KR" sz="800">
               <a:solidFill>
@@ -7879,10 +8708,10 @@
       </p:sp>
       <p:cxnSp>
         <p:nvCxnSpPr>
-          <p:cNvPr id="74" name="Straight Arrow Connector 73">
-            <a:extLst>
-              <a:ext uri="{FF2B5EF4-FFF2-40B4-BE49-F238E27FC236}">
-                <a16:creationId xmlns:a16="http://schemas.microsoft.com/office/drawing/2014/main" id="{BB2B02E8-FE1B-E841-A5A9-003F5BA25D07}"/>
+          <p:cNvPr id="117" name="Straight Arrow Connector 116">
+            <a:extLst>
+              <a:ext uri="{FF2B5EF4-FFF2-40B4-BE49-F238E27FC236}">
+                <a16:creationId xmlns:a16="http://schemas.microsoft.com/office/drawing/2014/main" id="{F26BEBB5-3FFD-9E46-8F0E-ACE0D938C438}"/>
               </a:ext>
             </a:extLst>
           </p:cNvPr>
@@ -7892,9 +8721,322 @@
           <p:nvPr/>
         </p:nvCxnSpPr>
         <p:spPr>
-          <a:xfrm>
-            <a:off x="4663069" y="1479926"/>
-            <a:ext cx="0" cy="2070764"/>
+          <a:xfrm flipH="1">
+            <a:off x="2398345" y="627534"/>
+            <a:ext cx="4742930" cy="0"/>
+          </a:xfrm>
+          <a:prstGeom prst="straightConnector1">
+            <a:avLst/>
+          </a:prstGeom>
+          <a:ln w="12700">
+            <a:solidFill>
+              <a:schemeClr val="tx1"/>
+            </a:solidFill>
+            <a:prstDash val="solid"/>
+            <a:headEnd type="triangle" w="med" len="med"/>
+            <a:tailEnd type="triangle" w="med" len="med"/>
+          </a:ln>
+        </p:spPr>
+        <p:style>
+          <a:lnRef idx="1">
+            <a:schemeClr val="accent1"/>
+          </a:lnRef>
+          <a:fillRef idx="0">
+            <a:schemeClr val="accent1"/>
+          </a:fillRef>
+          <a:effectRef idx="0">
+            <a:schemeClr val="accent1"/>
+          </a:effectRef>
+          <a:fontRef idx="minor">
+            <a:schemeClr val="tx1"/>
+          </a:fontRef>
+        </p:style>
+      </p:cxnSp>
+      <p:sp>
+        <p:nvSpPr>
+          <p:cNvPr id="122" name="TextBox 121">
+            <a:extLst>
+              <a:ext uri="{FF2B5EF4-FFF2-40B4-BE49-F238E27FC236}">
+                <a16:creationId xmlns:a16="http://schemas.microsoft.com/office/drawing/2014/main" id="{8A42EC24-C9B2-4947-8687-9FCD38697C7D}"/>
+              </a:ext>
+            </a:extLst>
+          </p:cNvPr>
+          <p:cNvSpPr txBox="1"/>
+          <p:nvPr/>
+        </p:nvSpPr>
+        <p:spPr>
+          <a:xfrm>
+            <a:off x="3823513" y="385004"/>
+            <a:ext cx="1670650" cy="215444"/>
+          </a:xfrm>
+          <a:prstGeom prst="rect">
+            <a:avLst/>
+          </a:prstGeom>
+          <a:solidFill>
+            <a:schemeClr val="bg1"/>
+          </a:solidFill>
+        </p:spPr>
+        <p:txBody>
+          <a:bodyPr wrap="none" rtlCol="0">
+            <a:spAutoFit/>
+          </a:bodyPr>
+          <a:lstStyle/>
+          <a:p>
+            <a:pPr algn="ctr"/>
+            <a:r>
+              <a:rPr lang="en-US" sz="800"/>
+              <a:t>terminationGracePeriodSeconds</a:t>
+            </a:r>
+            <a:endParaRPr lang="en-KR" sz="800"/>
+          </a:p>
+        </p:txBody>
+      </p:sp>
+      <p:sp>
+        <p:nvSpPr>
+          <p:cNvPr id="131" name="사각형: 둥근 모서리 36">
+            <a:extLst>
+              <a:ext uri="{FF2B5EF4-FFF2-40B4-BE49-F238E27FC236}">
+                <a16:creationId xmlns:a16="http://schemas.microsoft.com/office/drawing/2014/main" id="{9A03A025-F8ED-BE46-AB25-ED5F8B7EB4C7}"/>
+              </a:ext>
+            </a:extLst>
+          </p:cNvPr>
+          <p:cNvSpPr/>
+          <p:nvPr/>
+        </p:nvSpPr>
+        <p:spPr>
+          <a:xfrm>
+            <a:off x="539552" y="908508"/>
+            <a:ext cx="2246387" cy="294176"/>
+          </a:xfrm>
+          <a:prstGeom prst="roundRect">
+            <a:avLst>
+              <a:gd name="adj" fmla="val 0"/>
+            </a:avLst>
+          </a:prstGeom>
+          <a:ln w="12700">
+            <a:solidFill>
+              <a:schemeClr val="accent2"/>
+            </a:solidFill>
+          </a:ln>
+        </p:spPr>
+        <p:style>
+          <a:lnRef idx="2">
+            <a:schemeClr val="dk1"/>
+          </a:lnRef>
+          <a:fillRef idx="1">
+            <a:schemeClr val="lt1"/>
+          </a:fillRef>
+          <a:effectRef idx="0">
+            <a:schemeClr val="dk1"/>
+          </a:effectRef>
+          <a:fontRef idx="minor">
+            <a:schemeClr val="dk1"/>
+          </a:fontRef>
+        </p:style>
+        <p:txBody>
+          <a:bodyPr rtlCol="0" anchor="ctr"/>
+          <a:lstStyle/>
+          <a:p>
+            <a:pPr algn="ctr"/>
+            <a:r>
+              <a:rPr lang="en-US" altLang="ko-KR" sz="800">
+                <a:solidFill>
+                  <a:schemeClr val="accent2"/>
+                </a:solidFill>
+              </a:rPr>
+              <a:t>Request Delivery Time</a:t>
+            </a:r>
+          </a:p>
+          <a:p>
+            <a:pPr algn="ctr"/>
+            <a:r>
+              <a:rPr lang="en-US" altLang="ko-KR" sz="800">
+                <a:solidFill>
+                  <a:schemeClr val="accent2"/>
+                </a:solidFill>
+              </a:rPr>
+              <a:t>(K8s API Server </a:t>
+            </a:r>
+            <a:r>
+              <a:rPr lang="en-US" altLang="ko-KR" sz="800">
+                <a:solidFill>
+                  <a:schemeClr val="accent2"/>
+                </a:solidFill>
+                <a:sym typeface="Wingdings" pitchFamily="2" charset="2"/>
+              </a:rPr>
+              <a:t> Endpoint Slice Controller)</a:t>
+            </a:r>
+            <a:endParaRPr lang="ko-KR" altLang="en-US" sz="800">
+              <a:solidFill>
+                <a:schemeClr val="accent2"/>
+              </a:solidFill>
+            </a:endParaRPr>
+          </a:p>
+        </p:txBody>
+      </p:sp>
+      <p:cxnSp>
+        <p:nvCxnSpPr>
+          <p:cNvPr id="134" name="Straight Arrow Connector 133">
+            <a:extLst>
+              <a:ext uri="{FF2B5EF4-FFF2-40B4-BE49-F238E27FC236}">
+                <a16:creationId xmlns:a16="http://schemas.microsoft.com/office/drawing/2014/main" id="{5592B061-9C71-304C-B220-8167474B7D0C}"/>
+              </a:ext>
+            </a:extLst>
+          </p:cNvPr>
+          <p:cNvCxnSpPr>
+            <a:cxnSpLocks/>
+          </p:cNvCxnSpPr>
+          <p:nvPr/>
+        </p:nvCxnSpPr>
+        <p:spPr>
+          <a:xfrm flipV="1">
+            <a:off x="2398345" y="3562016"/>
+            <a:ext cx="0" cy="757554"/>
+          </a:xfrm>
+          <a:prstGeom prst="straightConnector1">
+            <a:avLst/>
+          </a:prstGeom>
+          <a:ln w="12700">
+            <a:solidFill>
+              <a:schemeClr val="tx1"/>
+            </a:solidFill>
+            <a:prstDash val="dash"/>
+            <a:tailEnd type="triangle"/>
+          </a:ln>
+        </p:spPr>
+        <p:style>
+          <a:lnRef idx="1">
+            <a:schemeClr val="accent1"/>
+          </a:lnRef>
+          <a:fillRef idx="0">
+            <a:schemeClr val="accent1"/>
+          </a:fillRef>
+          <a:effectRef idx="0">
+            <a:schemeClr val="accent1"/>
+          </a:effectRef>
+          <a:fontRef idx="minor">
+            <a:schemeClr val="tx1"/>
+          </a:fontRef>
+        </p:style>
+      </p:cxnSp>
+      <p:sp>
+        <p:nvSpPr>
+          <p:cNvPr id="137" name="TextBox 136">
+            <a:extLst>
+              <a:ext uri="{FF2B5EF4-FFF2-40B4-BE49-F238E27FC236}">
+                <a16:creationId xmlns:a16="http://schemas.microsoft.com/office/drawing/2014/main" id="{9A08028C-9D93-3E4D-BB52-9723D38F03EF}"/>
+              </a:ext>
+            </a:extLst>
+          </p:cNvPr>
+          <p:cNvSpPr txBox="1"/>
+          <p:nvPr/>
+        </p:nvSpPr>
+        <p:spPr>
+          <a:xfrm>
+            <a:off x="1309883" y="3765572"/>
+            <a:ext cx="1749946" cy="400110"/>
+          </a:xfrm>
+          <a:prstGeom prst="rect">
+            <a:avLst/>
+          </a:prstGeom>
+          <a:solidFill>
+            <a:schemeClr val="bg1"/>
+          </a:solidFill>
+        </p:spPr>
+        <p:txBody>
+          <a:bodyPr wrap="square" rtlCol="0">
+            <a:spAutoFit/>
+          </a:bodyPr>
+          <a:lstStyle/>
+          <a:p>
+            <a:pPr algn="ctr"/>
+            <a:r>
+              <a:rPr lang="en-KR" sz="1000"/>
+              <a:t>1. K8s API server receives</a:t>
+            </a:r>
+          </a:p>
+          <a:p>
+            <a:pPr algn="ctr"/>
+            <a:r>
+              <a:rPr lang="en-KR" sz="1000"/>
+              <a:t>a pod </a:t>
+            </a:r>
+            <a:r>
+              <a:rPr lang="en-US" sz="1000"/>
+              <a:t>termination</a:t>
+            </a:r>
+            <a:r>
+              <a:rPr lang="ko-KR" altLang="en-US" sz="1000"/>
+              <a:t> </a:t>
+            </a:r>
+            <a:r>
+              <a:rPr lang="en-KR" altLang="ko-KR" sz="1000"/>
+              <a:t>r</a:t>
+            </a:r>
+            <a:r>
+              <a:rPr lang="en-KR" sz="1000"/>
+              <a:t>equest</a:t>
+            </a:r>
+          </a:p>
+        </p:txBody>
+      </p:sp>
+      <p:sp>
+        <p:nvSpPr>
+          <p:cNvPr id="142" name="TextBox 141">
+            <a:extLst>
+              <a:ext uri="{FF2B5EF4-FFF2-40B4-BE49-F238E27FC236}">
+                <a16:creationId xmlns:a16="http://schemas.microsoft.com/office/drawing/2014/main" id="{26B4938E-875C-A04F-9014-08091EE0215A}"/>
+              </a:ext>
+            </a:extLst>
+          </p:cNvPr>
+          <p:cNvSpPr txBox="1"/>
+          <p:nvPr/>
+        </p:nvSpPr>
+        <p:spPr>
+          <a:xfrm>
+            <a:off x="1448830" y="4321886"/>
+            <a:ext cx="1899030" cy="246221"/>
+          </a:xfrm>
+          <a:prstGeom prst="rect">
+            <a:avLst/>
+          </a:prstGeom>
+          <a:solidFill>
+            <a:schemeClr val="bg1"/>
+          </a:solidFill>
+        </p:spPr>
+        <p:txBody>
+          <a:bodyPr wrap="square" rtlCol="0">
+            <a:spAutoFit/>
+          </a:bodyPr>
+          <a:lstStyle/>
+          <a:p>
+            <a:pPr algn="ctr"/>
+            <a:r>
+              <a:rPr lang="en-US" sz="1000"/>
+              <a:t>2. kubelet runs preStop Hook</a:t>
+            </a:r>
+            <a:endParaRPr lang="en-KR" sz="1000"/>
+          </a:p>
+        </p:txBody>
+      </p:sp>
+      <p:cxnSp>
+        <p:nvCxnSpPr>
+          <p:cNvPr id="50" name="Straight Arrow Connector 49">
+            <a:extLst>
+              <a:ext uri="{FF2B5EF4-FFF2-40B4-BE49-F238E27FC236}">
+                <a16:creationId xmlns:a16="http://schemas.microsoft.com/office/drawing/2014/main" id="{52C943FA-CB7E-D043-B569-92E3994A6D13}"/>
+              </a:ext>
+            </a:extLst>
+          </p:cNvPr>
+          <p:cNvCxnSpPr>
+            <a:cxnSpLocks/>
+          </p:cNvCxnSpPr>
+          <p:nvPr/>
+        </p:nvCxnSpPr>
+        <p:spPr>
+          <a:xfrm>
+            <a:off x="2184607" y="2544447"/>
+            <a:ext cx="0" cy="1017568"/>
           </a:xfrm>
           <a:prstGeom prst="straightConnector1">
             <a:avLst/>
@@ -7923,1148 +9065,6 @@
           </a:fontRef>
         </p:style>
       </p:cxnSp>
-      <p:sp>
-        <p:nvSpPr>
-          <p:cNvPr id="77" name="TextBox 76">
-            <a:extLst>
-              <a:ext uri="{FF2B5EF4-FFF2-40B4-BE49-F238E27FC236}">
-                <a16:creationId xmlns:a16="http://schemas.microsoft.com/office/drawing/2014/main" id="{A7257EB5-9562-FB48-8629-301D1361D17C}"/>
-              </a:ext>
-            </a:extLst>
-          </p:cNvPr>
-          <p:cNvSpPr txBox="1"/>
-          <p:nvPr/>
-        </p:nvSpPr>
-        <p:spPr>
-          <a:xfrm>
-            <a:off x="3898058" y="3765572"/>
-            <a:ext cx="1521570" cy="553998"/>
-          </a:xfrm>
-          <a:prstGeom prst="rect">
-            <a:avLst/>
-          </a:prstGeom>
-          <a:noFill/>
-        </p:spPr>
-        <p:txBody>
-          <a:bodyPr wrap="none" rtlCol="0">
-            <a:spAutoFit/>
-          </a:bodyPr>
-          <a:lstStyle/>
-          <a:p>
-            <a:pPr algn="ctr"/>
-            <a:r>
-              <a:rPr lang="en-US" sz="1000"/>
-              <a:t>3. kube-proxy removes</a:t>
-            </a:r>
-          </a:p>
-          <a:p>
-            <a:pPr algn="ctr"/>
-            <a:r>
-              <a:rPr lang="en-US" sz="1000"/>
-              <a:t>forwarding rules for </a:t>
-            </a:r>
-          </a:p>
-          <a:p>
-            <a:pPr algn="ctr"/>
-            <a:r>
-              <a:rPr lang="en-US" sz="1000"/>
-              <a:t>the deleted pod </a:t>
-            </a:r>
-          </a:p>
-        </p:txBody>
-      </p:sp>
-      <p:cxnSp>
-        <p:nvCxnSpPr>
-          <p:cNvPr id="78" name="Straight Arrow Connector 77">
-            <a:extLst>
-              <a:ext uri="{FF2B5EF4-FFF2-40B4-BE49-F238E27FC236}">
-                <a16:creationId xmlns:a16="http://schemas.microsoft.com/office/drawing/2014/main" id="{AC1C9DFB-879F-4449-8299-A6363C7C5171}"/>
-              </a:ext>
-            </a:extLst>
-          </p:cNvPr>
-          <p:cNvCxnSpPr>
-            <a:cxnSpLocks/>
-          </p:cNvCxnSpPr>
-          <p:nvPr/>
-        </p:nvCxnSpPr>
-        <p:spPr>
-          <a:xfrm flipV="1">
-            <a:off x="4666048" y="3556346"/>
-            <a:ext cx="0" cy="209226"/>
-          </a:xfrm>
-          <a:prstGeom prst="straightConnector1">
-            <a:avLst/>
-          </a:prstGeom>
-          <a:ln w="12700">
-            <a:solidFill>
-              <a:schemeClr val="tx1"/>
-            </a:solidFill>
-            <a:prstDash val="dash"/>
-            <a:tailEnd type="triangle"/>
-          </a:ln>
-        </p:spPr>
-        <p:style>
-          <a:lnRef idx="1">
-            <a:schemeClr val="accent1"/>
-          </a:lnRef>
-          <a:fillRef idx="0">
-            <a:schemeClr val="accent1"/>
-          </a:fillRef>
-          <a:effectRef idx="0">
-            <a:schemeClr val="accent1"/>
-          </a:effectRef>
-          <a:fontRef idx="minor">
-            <a:schemeClr val="tx1"/>
-          </a:fontRef>
-        </p:style>
-      </p:cxnSp>
-      <p:cxnSp>
-        <p:nvCxnSpPr>
-          <p:cNvPr id="82" name="Straight Arrow Connector 81">
-            <a:extLst>
-              <a:ext uri="{FF2B5EF4-FFF2-40B4-BE49-F238E27FC236}">
-                <a16:creationId xmlns:a16="http://schemas.microsoft.com/office/drawing/2014/main" id="{8FE03C6B-4CDA-BB42-BB86-B9DB7D0B068B}"/>
-              </a:ext>
-            </a:extLst>
-          </p:cNvPr>
-          <p:cNvCxnSpPr>
-            <a:cxnSpLocks/>
-          </p:cNvCxnSpPr>
-          <p:nvPr/>
-        </p:nvCxnSpPr>
-        <p:spPr>
-          <a:xfrm flipH="1">
-            <a:off x="2184360" y="1479926"/>
-            <a:ext cx="2478709" cy="0"/>
-          </a:xfrm>
-          <a:prstGeom prst="straightConnector1">
-            <a:avLst/>
-          </a:prstGeom>
-          <a:ln w="12700">
-            <a:solidFill>
-              <a:schemeClr val="accent2"/>
-            </a:solidFill>
-            <a:prstDash val="solid"/>
-            <a:headEnd type="triangle" w="med" len="med"/>
-            <a:tailEnd type="triangle" w="med" len="med"/>
-          </a:ln>
-        </p:spPr>
-        <p:style>
-          <a:lnRef idx="1">
-            <a:schemeClr val="accent1"/>
-          </a:lnRef>
-          <a:fillRef idx="0">
-            <a:schemeClr val="accent1"/>
-          </a:fillRef>
-          <a:effectRef idx="0">
-            <a:schemeClr val="accent1"/>
-          </a:effectRef>
-          <a:fontRef idx="minor">
-            <a:schemeClr val="tx1"/>
-          </a:fontRef>
-        </p:style>
-      </p:cxnSp>
-      <p:sp>
-        <p:nvSpPr>
-          <p:cNvPr id="87" name="사각형: 둥근 모서리 36">
-            <a:extLst>
-              <a:ext uri="{FF2B5EF4-FFF2-40B4-BE49-F238E27FC236}">
-                <a16:creationId xmlns:a16="http://schemas.microsoft.com/office/drawing/2014/main" id="{F22B39D0-1538-0F45-9D68-388D836FB71C}"/>
-              </a:ext>
-            </a:extLst>
-          </p:cNvPr>
-          <p:cNvSpPr/>
-          <p:nvPr/>
-        </p:nvSpPr>
-        <p:spPr>
-          <a:xfrm>
-            <a:off x="2783213" y="908508"/>
-            <a:ext cx="1423760" cy="294176"/>
-          </a:xfrm>
-          <a:prstGeom prst="roundRect">
-            <a:avLst>
-              <a:gd name="adj" fmla="val 0"/>
-            </a:avLst>
-          </a:prstGeom>
-          <a:ln w="12700">
-            <a:solidFill>
-              <a:schemeClr val="accent2"/>
-            </a:solidFill>
-          </a:ln>
-        </p:spPr>
-        <p:style>
-          <a:lnRef idx="2">
-            <a:schemeClr val="dk1"/>
-          </a:lnRef>
-          <a:fillRef idx="1">
-            <a:schemeClr val="lt1"/>
-          </a:fillRef>
-          <a:effectRef idx="0">
-            <a:schemeClr val="dk1"/>
-          </a:effectRef>
-          <a:fontRef idx="minor">
-            <a:schemeClr val="dk1"/>
-          </a:fontRef>
-        </p:style>
-        <p:txBody>
-          <a:bodyPr rtlCol="0" anchor="ctr"/>
-          <a:lstStyle/>
-          <a:p>
-            <a:pPr algn="ctr"/>
-            <a:r>
-              <a:rPr lang="en-US" altLang="ko-KR" sz="800">
-                <a:solidFill>
-                  <a:schemeClr val="accent2"/>
-                </a:solidFill>
-              </a:rPr>
-              <a:t>Endpoint Slice Controller</a:t>
-            </a:r>
-            <a:br>
-              <a:rPr lang="en-US" altLang="ko-KR" sz="800">
-                <a:solidFill>
-                  <a:schemeClr val="accent2"/>
-                </a:solidFill>
-              </a:rPr>
-            </a:br>
-            <a:r>
-              <a:rPr lang="en-US" altLang="ko-KR" sz="800">
-                <a:solidFill>
-                  <a:schemeClr val="accent2"/>
-                </a:solidFill>
-              </a:rPr>
-              <a:t>Processing Time</a:t>
-            </a:r>
-            <a:endParaRPr lang="ko-KR" altLang="en-US" sz="800">
-              <a:solidFill>
-                <a:schemeClr val="accent2"/>
-              </a:solidFill>
-            </a:endParaRPr>
-          </a:p>
-        </p:txBody>
-      </p:sp>
-      <p:sp>
-        <p:nvSpPr>
-          <p:cNvPr id="88" name="사각형: 둥근 모서리 36">
-            <a:extLst>
-              <a:ext uri="{FF2B5EF4-FFF2-40B4-BE49-F238E27FC236}">
-                <a16:creationId xmlns:a16="http://schemas.microsoft.com/office/drawing/2014/main" id="{5E58F502-2544-8B42-9BCB-3670587FE911}"/>
-              </a:ext>
-            </a:extLst>
-          </p:cNvPr>
-          <p:cNvSpPr/>
-          <p:nvPr/>
-        </p:nvSpPr>
-        <p:spPr>
-          <a:xfrm>
-            <a:off x="7207346" y="908508"/>
-            <a:ext cx="941784" cy="294176"/>
-          </a:xfrm>
-          <a:prstGeom prst="roundRect">
-            <a:avLst>
-              <a:gd name="adj" fmla="val 0"/>
-            </a:avLst>
-          </a:prstGeom>
-          <a:ln w="12700">
-            <a:solidFill>
-              <a:schemeClr val="accent2"/>
-            </a:solidFill>
-          </a:ln>
-        </p:spPr>
-        <p:style>
-          <a:lnRef idx="2">
-            <a:schemeClr val="dk1"/>
-          </a:lnRef>
-          <a:fillRef idx="1">
-            <a:schemeClr val="lt1"/>
-          </a:fillRef>
-          <a:effectRef idx="0">
-            <a:schemeClr val="dk1"/>
-          </a:effectRef>
-          <a:fontRef idx="minor">
-            <a:schemeClr val="dk1"/>
-          </a:fontRef>
-        </p:style>
-        <p:txBody>
-          <a:bodyPr rtlCol="0" anchor="ctr"/>
-          <a:lstStyle/>
-          <a:p>
-            <a:pPr algn="ctr"/>
-            <a:r>
-              <a:rPr lang="en-US" altLang="ko-KR" sz="800">
-                <a:solidFill>
-                  <a:schemeClr val="accent2"/>
-                </a:solidFill>
-              </a:rPr>
-              <a:t>kube-proxy</a:t>
-            </a:r>
-          </a:p>
-          <a:p>
-            <a:pPr algn="ctr"/>
-            <a:r>
-              <a:rPr lang="en-US" altLang="ko-KR" sz="800">
-                <a:solidFill>
-                  <a:schemeClr val="accent2"/>
-                </a:solidFill>
-              </a:rPr>
-              <a:t>Processing Time</a:t>
-            </a:r>
-            <a:endParaRPr lang="ko-KR" altLang="en-US" sz="800">
-              <a:solidFill>
-                <a:schemeClr val="accent2"/>
-              </a:solidFill>
-            </a:endParaRPr>
-          </a:p>
-        </p:txBody>
-      </p:sp>
-      <p:sp>
-        <p:nvSpPr>
-          <p:cNvPr id="89" name="사각형: 둥근 모서리 36">
-            <a:extLst>
-              <a:ext uri="{FF2B5EF4-FFF2-40B4-BE49-F238E27FC236}">
-                <a16:creationId xmlns:a16="http://schemas.microsoft.com/office/drawing/2014/main" id="{0DDCFB2E-438E-F84A-9A4C-88C52EECD6B7}"/>
-              </a:ext>
-            </a:extLst>
-          </p:cNvPr>
-          <p:cNvSpPr/>
-          <p:nvPr/>
-        </p:nvSpPr>
-        <p:spPr>
-          <a:xfrm>
-            <a:off x="4206973" y="908508"/>
-            <a:ext cx="3000373" cy="294176"/>
-          </a:xfrm>
-          <a:prstGeom prst="roundRect">
-            <a:avLst>
-              <a:gd name="adj" fmla="val 0"/>
-            </a:avLst>
-          </a:prstGeom>
-          <a:ln w="12700">
-            <a:solidFill>
-              <a:schemeClr val="accent2"/>
-            </a:solidFill>
-          </a:ln>
-        </p:spPr>
-        <p:style>
-          <a:lnRef idx="2">
-            <a:schemeClr val="dk1"/>
-          </a:lnRef>
-          <a:fillRef idx="1">
-            <a:schemeClr val="lt1"/>
-          </a:fillRef>
-          <a:effectRef idx="0">
-            <a:schemeClr val="dk1"/>
-          </a:effectRef>
-          <a:fontRef idx="minor">
-            <a:schemeClr val="dk1"/>
-          </a:fontRef>
-        </p:style>
-        <p:txBody>
-          <a:bodyPr rtlCol="0" anchor="ctr"/>
-          <a:lstStyle/>
-          <a:p>
-            <a:pPr algn="ctr"/>
-            <a:r>
-              <a:rPr lang="en-US" altLang="ko-KR" sz="800">
-                <a:solidFill>
-                  <a:schemeClr val="accent2"/>
-                </a:solidFill>
-              </a:rPr>
-              <a:t>Request Delivery Time</a:t>
-            </a:r>
-          </a:p>
-          <a:p>
-            <a:pPr algn="ctr"/>
-            <a:r>
-              <a:rPr lang="en-US" altLang="ko-KR" sz="800">
-                <a:solidFill>
-                  <a:schemeClr val="accent2"/>
-                </a:solidFill>
-              </a:rPr>
-              <a:t>(Endpoint Slice Controller </a:t>
-            </a:r>
-            <a:r>
-              <a:rPr lang="en-US" altLang="ko-KR" sz="800">
-                <a:solidFill>
-                  <a:schemeClr val="accent2"/>
-                </a:solidFill>
-                <a:sym typeface="Wingdings" pitchFamily="2" charset="2"/>
-              </a:rPr>
-              <a:t> </a:t>
-            </a:r>
-            <a:r>
-              <a:rPr lang="en-US" altLang="ko-KR" sz="800">
-                <a:solidFill>
-                  <a:schemeClr val="accent2"/>
-                </a:solidFill>
-              </a:rPr>
-              <a:t>K8s API Server </a:t>
-            </a:r>
-            <a:r>
-              <a:rPr lang="en-US" altLang="ko-KR" sz="800">
-                <a:solidFill>
-                  <a:schemeClr val="accent2"/>
-                </a:solidFill>
-                <a:sym typeface="Wingdings" pitchFamily="2" charset="2"/>
-              </a:rPr>
-              <a:t> kube-proxy)</a:t>
-            </a:r>
-            <a:endParaRPr lang="ko-KR" altLang="en-US" sz="800">
-              <a:solidFill>
-                <a:schemeClr val="accent2"/>
-              </a:solidFill>
-            </a:endParaRPr>
-          </a:p>
-        </p:txBody>
-      </p:sp>
-      <p:cxnSp>
-        <p:nvCxnSpPr>
-          <p:cNvPr id="90" name="Straight Arrow Connector 89">
-            <a:extLst>
-              <a:ext uri="{FF2B5EF4-FFF2-40B4-BE49-F238E27FC236}">
-                <a16:creationId xmlns:a16="http://schemas.microsoft.com/office/drawing/2014/main" id="{564822DF-4B24-D448-92F0-85512728D326}"/>
-              </a:ext>
-            </a:extLst>
-          </p:cNvPr>
-          <p:cNvCxnSpPr>
-            <a:cxnSpLocks/>
-          </p:cNvCxnSpPr>
-          <p:nvPr/>
-        </p:nvCxnSpPr>
-        <p:spPr>
-          <a:xfrm flipH="1" flipV="1">
-            <a:off x="536574" y="1202684"/>
-            <a:ext cx="1647786" cy="277243"/>
-          </a:xfrm>
-          <a:prstGeom prst="straightConnector1">
-            <a:avLst/>
-          </a:prstGeom>
-          <a:ln w="12700">
-            <a:solidFill>
-              <a:schemeClr val="accent2"/>
-            </a:solidFill>
-            <a:prstDash val="solid"/>
-            <a:headEnd type="none" w="med" len="med"/>
-            <a:tailEnd type="none" w="med" len="med"/>
-          </a:ln>
-        </p:spPr>
-        <p:style>
-          <a:lnRef idx="1">
-            <a:schemeClr val="accent1"/>
-          </a:lnRef>
-          <a:fillRef idx="0">
-            <a:schemeClr val="accent1"/>
-          </a:fillRef>
-          <a:effectRef idx="0">
-            <a:schemeClr val="accent1"/>
-          </a:effectRef>
-          <a:fontRef idx="minor">
-            <a:schemeClr val="tx1"/>
-          </a:fontRef>
-        </p:style>
-      </p:cxnSp>
-      <p:cxnSp>
-        <p:nvCxnSpPr>
-          <p:cNvPr id="93" name="Straight Arrow Connector 92">
-            <a:extLst>
-              <a:ext uri="{FF2B5EF4-FFF2-40B4-BE49-F238E27FC236}">
-                <a16:creationId xmlns:a16="http://schemas.microsoft.com/office/drawing/2014/main" id="{15EFB21E-3A59-1844-A5F9-2CEA238BC4A0}"/>
-              </a:ext>
-            </a:extLst>
-          </p:cNvPr>
-          <p:cNvCxnSpPr>
-            <a:cxnSpLocks/>
-          </p:cNvCxnSpPr>
-          <p:nvPr/>
-        </p:nvCxnSpPr>
-        <p:spPr>
-          <a:xfrm flipH="1">
-            <a:off x="4658838" y="1202684"/>
-            <a:ext cx="3490292" cy="265918"/>
-          </a:xfrm>
-          <a:prstGeom prst="straightConnector1">
-            <a:avLst/>
-          </a:prstGeom>
-          <a:ln w="12700">
-            <a:solidFill>
-              <a:schemeClr val="accent2"/>
-            </a:solidFill>
-            <a:prstDash val="solid"/>
-            <a:headEnd type="none" w="med" len="med"/>
-            <a:tailEnd type="none" w="med" len="med"/>
-          </a:ln>
-        </p:spPr>
-        <p:style>
-          <a:lnRef idx="1">
-            <a:schemeClr val="accent1"/>
-          </a:lnRef>
-          <a:fillRef idx="0">
-            <a:schemeClr val="accent1"/>
-          </a:fillRef>
-          <a:effectRef idx="0">
-            <a:schemeClr val="accent1"/>
-          </a:effectRef>
-          <a:fontRef idx="minor">
-            <a:schemeClr val="tx1"/>
-          </a:fontRef>
-        </p:style>
-      </p:cxnSp>
-      <p:sp>
-        <p:nvSpPr>
-          <p:cNvPr id="96" name="TextBox 95">
-            <a:extLst>
-              <a:ext uri="{FF2B5EF4-FFF2-40B4-BE49-F238E27FC236}">
-                <a16:creationId xmlns:a16="http://schemas.microsoft.com/office/drawing/2014/main" id="{4085EB01-1D8F-5140-BE44-BBD28A468F89}"/>
-              </a:ext>
-            </a:extLst>
-          </p:cNvPr>
-          <p:cNvSpPr txBox="1"/>
-          <p:nvPr/>
-        </p:nvSpPr>
-        <p:spPr>
-          <a:xfrm>
-            <a:off x="2505203" y="1247845"/>
-            <a:ext cx="1832553" cy="215444"/>
-          </a:xfrm>
-          <a:prstGeom prst="rect">
-            <a:avLst/>
-          </a:prstGeom>
-          <a:solidFill>
-            <a:schemeClr val="bg1"/>
-          </a:solidFill>
-        </p:spPr>
-        <p:txBody>
-          <a:bodyPr wrap="none" rtlCol="0">
-            <a:spAutoFit/>
-          </a:bodyPr>
-          <a:lstStyle/>
-          <a:p>
-            <a:pPr algn="ctr"/>
-            <a:r>
-              <a:rPr lang="en-US" sz="800" b="1">
-                <a:solidFill>
-                  <a:schemeClr val="accent2"/>
-                </a:solidFill>
-              </a:rPr>
-              <a:t>Endpoint Slice Propagation Delay</a:t>
-            </a:r>
-            <a:endParaRPr lang="en-KR" sz="800" b="1">
-              <a:solidFill>
-                <a:schemeClr val="accent2"/>
-              </a:solidFill>
-            </a:endParaRPr>
-          </a:p>
-        </p:txBody>
-      </p:sp>
-      <p:cxnSp>
-        <p:nvCxnSpPr>
-          <p:cNvPr id="99" name="Straight Arrow Connector 98">
-            <a:extLst>
-              <a:ext uri="{FF2B5EF4-FFF2-40B4-BE49-F238E27FC236}">
-                <a16:creationId xmlns:a16="http://schemas.microsoft.com/office/drawing/2014/main" id="{900D6047-7178-3749-8D4D-EA977D011F2B}"/>
-              </a:ext>
-            </a:extLst>
-          </p:cNvPr>
-          <p:cNvCxnSpPr>
-            <a:cxnSpLocks/>
-          </p:cNvCxnSpPr>
-          <p:nvPr/>
-        </p:nvCxnSpPr>
-        <p:spPr>
-          <a:xfrm>
-            <a:off x="5580100" y="2326554"/>
-            <a:ext cx="0" cy="1085775"/>
-          </a:xfrm>
-          <a:prstGeom prst="straightConnector1">
-            <a:avLst/>
-          </a:prstGeom>
-          <a:ln w="12700">
-            <a:solidFill>
-              <a:schemeClr val="tx1"/>
-            </a:solidFill>
-            <a:prstDash val="dash"/>
-            <a:headEnd type="none" w="med" len="med"/>
-            <a:tailEnd type="none" w="med" len="med"/>
-          </a:ln>
-        </p:spPr>
-        <p:style>
-          <a:lnRef idx="1">
-            <a:schemeClr val="accent1"/>
-          </a:lnRef>
-          <a:fillRef idx="0">
-            <a:schemeClr val="accent1"/>
-          </a:fillRef>
-          <a:effectRef idx="0">
-            <a:schemeClr val="accent1"/>
-          </a:effectRef>
-          <a:fontRef idx="minor">
-            <a:schemeClr val="tx1"/>
-          </a:fontRef>
-        </p:style>
-      </p:cxnSp>
-      <p:cxnSp>
-        <p:nvCxnSpPr>
-          <p:cNvPr id="102" name="Straight Arrow Connector 101">
-            <a:extLst>
-              <a:ext uri="{FF2B5EF4-FFF2-40B4-BE49-F238E27FC236}">
-                <a16:creationId xmlns:a16="http://schemas.microsoft.com/office/drawing/2014/main" id="{CC0C880A-2115-F249-ADE0-4CCFEE5CC290}"/>
-              </a:ext>
-            </a:extLst>
-          </p:cNvPr>
-          <p:cNvCxnSpPr>
-            <a:cxnSpLocks/>
-          </p:cNvCxnSpPr>
-          <p:nvPr/>
-        </p:nvCxnSpPr>
-        <p:spPr>
-          <a:xfrm flipH="1">
-            <a:off x="5580100" y="2326554"/>
-            <a:ext cx="213987" cy="0"/>
-          </a:xfrm>
-          <a:prstGeom prst="straightConnector1">
-            <a:avLst/>
-          </a:prstGeom>
-          <a:ln w="12700">
-            <a:solidFill>
-              <a:schemeClr val="tx2"/>
-            </a:solidFill>
-            <a:prstDash val="solid"/>
-            <a:headEnd type="triangle" w="med" len="med"/>
-            <a:tailEnd type="triangle" w="med" len="med"/>
-          </a:ln>
-        </p:spPr>
-        <p:style>
-          <a:lnRef idx="1">
-            <a:schemeClr val="accent1"/>
-          </a:lnRef>
-          <a:fillRef idx="0">
-            <a:schemeClr val="accent1"/>
-          </a:fillRef>
-          <a:effectRef idx="0">
-            <a:schemeClr val="accent1"/>
-          </a:effectRef>
-          <a:fontRef idx="minor">
-            <a:schemeClr val="tx1"/>
-          </a:fontRef>
-        </p:style>
-      </p:cxnSp>
-      <p:sp>
-        <p:nvSpPr>
-          <p:cNvPr id="104" name="사각형: 둥근 모서리 36">
-            <a:extLst>
-              <a:ext uri="{FF2B5EF4-FFF2-40B4-BE49-F238E27FC236}">
-                <a16:creationId xmlns:a16="http://schemas.microsoft.com/office/drawing/2014/main" id="{5BDBFF7D-F2FC-AA4E-9B93-706E8BFF49FE}"/>
-              </a:ext>
-            </a:extLst>
-          </p:cNvPr>
-          <p:cNvSpPr/>
-          <p:nvPr/>
-        </p:nvSpPr>
-        <p:spPr>
-          <a:xfrm>
-            <a:off x="5202743" y="1688144"/>
-            <a:ext cx="996746" cy="294176"/>
-          </a:xfrm>
-          <a:prstGeom prst="roundRect">
-            <a:avLst>
-              <a:gd name="adj" fmla="val 0"/>
-            </a:avLst>
-          </a:prstGeom>
-          <a:ln w="12700">
-            <a:solidFill>
-              <a:schemeClr val="tx2"/>
-            </a:solidFill>
-          </a:ln>
-        </p:spPr>
-        <p:style>
-          <a:lnRef idx="2">
-            <a:schemeClr val="dk1"/>
-          </a:lnRef>
-          <a:fillRef idx="1">
-            <a:schemeClr val="lt1"/>
-          </a:fillRef>
-          <a:effectRef idx="0">
-            <a:schemeClr val="dk1"/>
-          </a:effectRef>
-          <a:fontRef idx="minor">
-            <a:schemeClr val="dk1"/>
-          </a:fontRef>
-        </p:style>
-        <p:txBody>
-          <a:bodyPr rtlCol="0" anchor="ctr"/>
-          <a:lstStyle/>
-          <a:p>
-            <a:pPr algn="ctr"/>
-            <a:r>
-              <a:rPr lang="en-US" altLang="ko-KR" sz="800">
-                <a:solidFill>
-                  <a:schemeClr val="tx2"/>
-                </a:solidFill>
-              </a:rPr>
-              <a:t>kubelet Processing Time</a:t>
-            </a:r>
-            <a:endParaRPr lang="ko-KR" altLang="en-US" sz="800">
-              <a:solidFill>
-                <a:schemeClr val="tx2"/>
-              </a:solidFill>
-            </a:endParaRPr>
-          </a:p>
-        </p:txBody>
-      </p:sp>
-      <p:cxnSp>
-        <p:nvCxnSpPr>
-          <p:cNvPr id="105" name="Straight Arrow Connector 104">
-            <a:extLst>
-              <a:ext uri="{FF2B5EF4-FFF2-40B4-BE49-F238E27FC236}">
-                <a16:creationId xmlns:a16="http://schemas.microsoft.com/office/drawing/2014/main" id="{6CA99836-C966-3E42-838A-348DC8DD9944}"/>
-              </a:ext>
-            </a:extLst>
-          </p:cNvPr>
-          <p:cNvCxnSpPr>
-            <a:cxnSpLocks/>
-          </p:cNvCxnSpPr>
-          <p:nvPr/>
-        </p:nvCxnSpPr>
-        <p:spPr>
-          <a:xfrm flipH="1">
-            <a:off x="5822455" y="1982320"/>
-            <a:ext cx="377034" cy="344234"/>
-          </a:xfrm>
-          <a:prstGeom prst="straightConnector1">
-            <a:avLst/>
-          </a:prstGeom>
-          <a:ln w="12700">
-            <a:solidFill>
-              <a:schemeClr val="tx2"/>
-            </a:solidFill>
-            <a:prstDash val="solid"/>
-            <a:headEnd type="none" w="med" len="med"/>
-            <a:tailEnd type="none" w="med" len="med"/>
-          </a:ln>
-        </p:spPr>
-        <p:style>
-          <a:lnRef idx="1">
-            <a:schemeClr val="accent1"/>
-          </a:lnRef>
-          <a:fillRef idx="0">
-            <a:schemeClr val="accent1"/>
-          </a:fillRef>
-          <a:effectRef idx="0">
-            <a:schemeClr val="accent1"/>
-          </a:effectRef>
-          <a:fontRef idx="minor">
-            <a:schemeClr val="tx1"/>
-          </a:fontRef>
-        </p:style>
-      </p:cxnSp>
-      <p:cxnSp>
-        <p:nvCxnSpPr>
-          <p:cNvPr id="106" name="Straight Arrow Connector 105">
-            <a:extLst>
-              <a:ext uri="{FF2B5EF4-FFF2-40B4-BE49-F238E27FC236}">
-                <a16:creationId xmlns:a16="http://schemas.microsoft.com/office/drawing/2014/main" id="{B8B1A714-D8E5-4446-AB7E-E46A8C77B052}"/>
-              </a:ext>
-            </a:extLst>
-          </p:cNvPr>
-          <p:cNvCxnSpPr>
-            <a:cxnSpLocks/>
-          </p:cNvCxnSpPr>
-          <p:nvPr/>
-        </p:nvCxnSpPr>
-        <p:spPr>
-          <a:xfrm flipH="1" flipV="1">
-            <a:off x="5206949" y="1982320"/>
-            <a:ext cx="373151" cy="344234"/>
-          </a:xfrm>
-          <a:prstGeom prst="straightConnector1">
-            <a:avLst/>
-          </a:prstGeom>
-          <a:ln w="12700">
-            <a:solidFill>
-              <a:schemeClr val="tx2"/>
-            </a:solidFill>
-            <a:prstDash val="solid"/>
-            <a:headEnd type="none" w="med" len="med"/>
-            <a:tailEnd type="none" w="med" len="med"/>
-          </a:ln>
-        </p:spPr>
-        <p:style>
-          <a:lnRef idx="1">
-            <a:schemeClr val="accent1"/>
-          </a:lnRef>
-          <a:fillRef idx="0">
-            <a:schemeClr val="accent1"/>
-          </a:fillRef>
-          <a:effectRef idx="0">
-            <a:schemeClr val="accent1"/>
-          </a:effectRef>
-          <a:fontRef idx="minor">
-            <a:schemeClr val="tx1"/>
-          </a:fontRef>
-        </p:style>
-      </p:cxnSp>
-      <p:sp>
-        <p:nvSpPr>
-          <p:cNvPr id="107" name="TextBox 106">
-            <a:extLst>
-              <a:ext uri="{FF2B5EF4-FFF2-40B4-BE49-F238E27FC236}">
-                <a16:creationId xmlns:a16="http://schemas.microsoft.com/office/drawing/2014/main" id="{9761F852-80F0-C44E-B58D-60469B5ED0D9}"/>
-              </a:ext>
-            </a:extLst>
-          </p:cNvPr>
-          <p:cNvSpPr txBox="1"/>
-          <p:nvPr/>
-        </p:nvSpPr>
-        <p:spPr>
-          <a:xfrm>
-            <a:off x="4756661" y="2030605"/>
-            <a:ext cx="1859805" cy="215444"/>
-          </a:xfrm>
-          <a:prstGeom prst="rect">
-            <a:avLst/>
-          </a:prstGeom>
-          <a:solidFill>
-            <a:schemeClr val="bg1"/>
-          </a:solidFill>
-          <a:ln>
-            <a:noFill/>
-          </a:ln>
-        </p:spPr>
-        <p:txBody>
-          <a:bodyPr wrap="none" rtlCol="0">
-            <a:spAutoFit/>
-          </a:bodyPr>
-          <a:lstStyle/>
-          <a:p>
-            <a:pPr algn="ctr"/>
-            <a:r>
-              <a:rPr lang="en-US" sz="800">
-                <a:solidFill>
-                  <a:schemeClr val="tx2"/>
-                </a:solidFill>
-              </a:rPr>
-              <a:t>SIGTERM Signal Propagation Delay</a:t>
-            </a:r>
-            <a:endParaRPr lang="en-KR" sz="800">
-              <a:solidFill>
-                <a:schemeClr val="tx2"/>
-              </a:solidFill>
-            </a:endParaRPr>
-          </a:p>
-        </p:txBody>
-      </p:sp>
-      <p:cxnSp>
-        <p:nvCxnSpPr>
-          <p:cNvPr id="117" name="Straight Arrow Connector 116">
-            <a:extLst>
-              <a:ext uri="{FF2B5EF4-FFF2-40B4-BE49-F238E27FC236}">
-                <a16:creationId xmlns:a16="http://schemas.microsoft.com/office/drawing/2014/main" id="{F26BEBB5-3FFD-9E46-8F0E-ACE0D938C438}"/>
-              </a:ext>
-            </a:extLst>
-          </p:cNvPr>
-          <p:cNvCxnSpPr>
-            <a:cxnSpLocks/>
-          </p:cNvCxnSpPr>
-          <p:nvPr/>
-        </p:nvCxnSpPr>
-        <p:spPr>
-          <a:xfrm flipH="1">
-            <a:off x="2184359" y="627534"/>
-            <a:ext cx="4956915" cy="0"/>
-          </a:xfrm>
-          <a:prstGeom prst="straightConnector1">
-            <a:avLst/>
-          </a:prstGeom>
-          <a:ln w="12700">
-            <a:solidFill>
-              <a:schemeClr val="tx1"/>
-            </a:solidFill>
-            <a:prstDash val="solid"/>
-            <a:headEnd type="triangle" w="med" len="med"/>
-            <a:tailEnd type="triangle" w="med" len="med"/>
-          </a:ln>
-        </p:spPr>
-        <p:style>
-          <a:lnRef idx="1">
-            <a:schemeClr val="accent1"/>
-          </a:lnRef>
-          <a:fillRef idx="0">
-            <a:schemeClr val="accent1"/>
-          </a:fillRef>
-          <a:effectRef idx="0">
-            <a:schemeClr val="accent1"/>
-          </a:effectRef>
-          <a:fontRef idx="minor">
-            <a:schemeClr val="tx1"/>
-          </a:fontRef>
-        </p:style>
-      </p:cxnSp>
-      <p:sp>
-        <p:nvSpPr>
-          <p:cNvPr id="122" name="TextBox 121">
-            <a:extLst>
-              <a:ext uri="{FF2B5EF4-FFF2-40B4-BE49-F238E27FC236}">
-                <a16:creationId xmlns:a16="http://schemas.microsoft.com/office/drawing/2014/main" id="{8A42EC24-C9B2-4947-8687-9FCD38697C7D}"/>
-              </a:ext>
-            </a:extLst>
-          </p:cNvPr>
-          <p:cNvSpPr txBox="1"/>
-          <p:nvPr/>
-        </p:nvSpPr>
-        <p:spPr>
-          <a:xfrm>
-            <a:off x="3823513" y="385004"/>
-            <a:ext cx="1670650" cy="215444"/>
-          </a:xfrm>
-          <a:prstGeom prst="rect">
-            <a:avLst/>
-          </a:prstGeom>
-          <a:solidFill>
-            <a:schemeClr val="bg1"/>
-          </a:solidFill>
-        </p:spPr>
-        <p:txBody>
-          <a:bodyPr wrap="none" rtlCol="0">
-            <a:spAutoFit/>
-          </a:bodyPr>
-          <a:lstStyle/>
-          <a:p>
-            <a:pPr algn="ctr"/>
-            <a:r>
-              <a:rPr lang="en-US" sz="800"/>
-              <a:t>terminationGracePeriodSeconds</a:t>
-            </a:r>
-            <a:endParaRPr lang="en-KR" sz="800"/>
-          </a:p>
-        </p:txBody>
-      </p:sp>
-      <p:sp>
-        <p:nvSpPr>
-          <p:cNvPr id="131" name="사각형: 둥근 모서리 36">
-            <a:extLst>
-              <a:ext uri="{FF2B5EF4-FFF2-40B4-BE49-F238E27FC236}">
-                <a16:creationId xmlns:a16="http://schemas.microsoft.com/office/drawing/2014/main" id="{9A03A025-F8ED-BE46-AB25-ED5F8B7EB4C7}"/>
-              </a:ext>
-            </a:extLst>
-          </p:cNvPr>
-          <p:cNvSpPr/>
-          <p:nvPr/>
-        </p:nvSpPr>
-        <p:spPr>
-          <a:xfrm>
-            <a:off x="539552" y="908508"/>
-            <a:ext cx="2246387" cy="294176"/>
-          </a:xfrm>
-          <a:prstGeom prst="roundRect">
-            <a:avLst>
-              <a:gd name="adj" fmla="val 0"/>
-            </a:avLst>
-          </a:prstGeom>
-          <a:ln w="12700">
-            <a:solidFill>
-              <a:schemeClr val="accent2"/>
-            </a:solidFill>
-          </a:ln>
-        </p:spPr>
-        <p:style>
-          <a:lnRef idx="2">
-            <a:schemeClr val="dk1"/>
-          </a:lnRef>
-          <a:fillRef idx="1">
-            <a:schemeClr val="lt1"/>
-          </a:fillRef>
-          <a:effectRef idx="0">
-            <a:schemeClr val="dk1"/>
-          </a:effectRef>
-          <a:fontRef idx="minor">
-            <a:schemeClr val="dk1"/>
-          </a:fontRef>
-        </p:style>
-        <p:txBody>
-          <a:bodyPr rtlCol="0" anchor="ctr"/>
-          <a:lstStyle/>
-          <a:p>
-            <a:pPr algn="ctr"/>
-            <a:r>
-              <a:rPr lang="en-US" altLang="ko-KR" sz="800">
-                <a:solidFill>
-                  <a:schemeClr val="accent2"/>
-                </a:solidFill>
-              </a:rPr>
-              <a:t>Request Delivery Time</a:t>
-            </a:r>
-          </a:p>
-          <a:p>
-            <a:pPr algn="ctr"/>
-            <a:r>
-              <a:rPr lang="en-US" altLang="ko-KR" sz="800">
-                <a:solidFill>
-                  <a:schemeClr val="accent2"/>
-                </a:solidFill>
-              </a:rPr>
-              <a:t>(K8s API Server </a:t>
-            </a:r>
-            <a:r>
-              <a:rPr lang="en-US" altLang="ko-KR" sz="800">
-                <a:solidFill>
-                  <a:schemeClr val="accent2"/>
-                </a:solidFill>
-                <a:sym typeface="Wingdings" pitchFamily="2" charset="2"/>
-              </a:rPr>
-              <a:t> Endpoint Slice Controller)</a:t>
-            </a:r>
-            <a:endParaRPr lang="ko-KR" altLang="en-US" sz="800">
-              <a:solidFill>
-                <a:schemeClr val="accent2"/>
-              </a:solidFill>
-            </a:endParaRPr>
-          </a:p>
-        </p:txBody>
-      </p:sp>
-      <p:cxnSp>
-        <p:nvCxnSpPr>
-          <p:cNvPr id="134" name="Straight Arrow Connector 133">
-            <a:extLst>
-              <a:ext uri="{FF2B5EF4-FFF2-40B4-BE49-F238E27FC236}">
-                <a16:creationId xmlns:a16="http://schemas.microsoft.com/office/drawing/2014/main" id="{5592B061-9C71-304C-B220-8167474B7D0C}"/>
-              </a:ext>
-            </a:extLst>
-          </p:cNvPr>
-          <p:cNvCxnSpPr>
-            <a:cxnSpLocks/>
-          </p:cNvCxnSpPr>
-          <p:nvPr/>
-        </p:nvCxnSpPr>
-        <p:spPr>
-          <a:xfrm flipV="1">
-            <a:off x="2398345" y="3562016"/>
-            <a:ext cx="0" cy="757554"/>
-          </a:xfrm>
-          <a:prstGeom prst="straightConnector1">
-            <a:avLst/>
-          </a:prstGeom>
-          <a:ln w="12700">
-            <a:solidFill>
-              <a:schemeClr val="tx1"/>
-            </a:solidFill>
-            <a:prstDash val="dash"/>
-            <a:tailEnd type="triangle"/>
-          </a:ln>
-        </p:spPr>
-        <p:style>
-          <a:lnRef idx="1">
-            <a:schemeClr val="accent1"/>
-          </a:lnRef>
-          <a:fillRef idx="0">
-            <a:schemeClr val="accent1"/>
-          </a:fillRef>
-          <a:effectRef idx="0">
-            <a:schemeClr val="accent1"/>
-          </a:effectRef>
-          <a:fontRef idx="minor">
-            <a:schemeClr val="tx1"/>
-          </a:fontRef>
-        </p:style>
-      </p:cxnSp>
-      <p:sp>
-        <p:nvSpPr>
-          <p:cNvPr id="137" name="TextBox 136">
-            <a:extLst>
-              <a:ext uri="{FF2B5EF4-FFF2-40B4-BE49-F238E27FC236}">
-                <a16:creationId xmlns:a16="http://schemas.microsoft.com/office/drawing/2014/main" id="{9A08028C-9D93-3E4D-BB52-9723D38F03EF}"/>
-              </a:ext>
-            </a:extLst>
-          </p:cNvPr>
-          <p:cNvSpPr txBox="1"/>
-          <p:nvPr/>
-        </p:nvSpPr>
-        <p:spPr>
-          <a:xfrm>
-            <a:off x="1309883" y="3765572"/>
-            <a:ext cx="1749946" cy="400110"/>
-          </a:xfrm>
-          <a:prstGeom prst="rect">
-            <a:avLst/>
-          </a:prstGeom>
-          <a:solidFill>
-            <a:schemeClr val="bg1"/>
-          </a:solidFill>
-        </p:spPr>
-        <p:txBody>
-          <a:bodyPr wrap="square" rtlCol="0">
-            <a:spAutoFit/>
-          </a:bodyPr>
-          <a:lstStyle/>
-          <a:p>
-            <a:pPr algn="ctr"/>
-            <a:r>
-              <a:rPr lang="en-KR" sz="1000"/>
-              <a:t>1. K8s API server receives</a:t>
-            </a:r>
-          </a:p>
-          <a:p>
-            <a:pPr algn="ctr"/>
-            <a:r>
-              <a:rPr lang="en-KR" sz="1000"/>
-              <a:t>a pod </a:t>
-            </a:r>
-            <a:r>
-              <a:rPr lang="en-US" sz="1000"/>
-              <a:t>termination</a:t>
-            </a:r>
-            <a:r>
-              <a:rPr lang="ko-KR" altLang="en-US" sz="1000"/>
-              <a:t> </a:t>
-            </a:r>
-            <a:r>
-              <a:rPr lang="en-KR" altLang="ko-KR" sz="1000"/>
-              <a:t>r</a:t>
-            </a:r>
-            <a:r>
-              <a:rPr lang="en-KR" sz="1000"/>
-              <a:t>equest</a:t>
-            </a:r>
-          </a:p>
-        </p:txBody>
-      </p:sp>
-      <p:sp>
-        <p:nvSpPr>
-          <p:cNvPr id="142" name="TextBox 141">
-            <a:extLst>
-              <a:ext uri="{FF2B5EF4-FFF2-40B4-BE49-F238E27FC236}">
-                <a16:creationId xmlns:a16="http://schemas.microsoft.com/office/drawing/2014/main" id="{26B4938E-875C-A04F-9014-08091EE0215A}"/>
-              </a:ext>
-            </a:extLst>
-          </p:cNvPr>
-          <p:cNvSpPr txBox="1"/>
-          <p:nvPr/>
-        </p:nvSpPr>
-        <p:spPr>
-          <a:xfrm>
-            <a:off x="1448830" y="4321886"/>
-            <a:ext cx="1899030" cy="246221"/>
-          </a:xfrm>
-          <a:prstGeom prst="rect">
-            <a:avLst/>
-          </a:prstGeom>
-          <a:solidFill>
-            <a:schemeClr val="bg1"/>
-          </a:solidFill>
-        </p:spPr>
-        <p:txBody>
-          <a:bodyPr wrap="square" rtlCol="0">
-            <a:spAutoFit/>
-          </a:bodyPr>
-          <a:lstStyle/>
-          <a:p>
-            <a:pPr algn="ctr"/>
-            <a:r>
-              <a:rPr lang="en-US" sz="1000"/>
-              <a:t>2. kubelet runs preStop Hook</a:t>
-            </a:r>
-            <a:endParaRPr lang="en-KR" sz="1000"/>
-          </a:p>
-        </p:txBody>
-      </p:sp>
     </p:spTree>
     <p:extLst>
       <p:ext uri="{BB962C8B-B14F-4D97-AF65-F5344CB8AC3E}">
@@ -9148,10 +9148,10 @@
       </p:sp>
       <p:cxnSp>
         <p:nvCxnSpPr>
-          <p:cNvPr id="6" name="Straight Arrow Connector 5">
-            <a:extLst>
-              <a:ext uri="{FF2B5EF4-FFF2-40B4-BE49-F238E27FC236}">
-                <a16:creationId xmlns:a16="http://schemas.microsoft.com/office/drawing/2014/main" id="{74871440-9BBE-E240-AB7C-F6C7B20A9CD0}"/>
+          <p:cNvPr id="32" name="Straight Arrow Connector 31">
+            <a:extLst>
+              <a:ext uri="{FF2B5EF4-FFF2-40B4-BE49-F238E27FC236}">
+                <a16:creationId xmlns:a16="http://schemas.microsoft.com/office/drawing/2014/main" id="{CBBC83F6-95B7-1B4E-8433-263BCDBE442B}"/>
               </a:ext>
             </a:extLst>
           </p:cNvPr>
@@ -9162,133 +9162,8 @@
         </p:nvCxnSpPr>
         <p:spPr>
           <a:xfrm>
-            <a:off x="899592" y="3550690"/>
-            <a:ext cx="6840760" cy="0"/>
-          </a:xfrm>
-          <a:prstGeom prst="straightConnector1">
-            <a:avLst/>
-          </a:prstGeom>
-          <a:ln w="28575">
-            <a:solidFill>
-              <a:schemeClr val="tx1"/>
-            </a:solidFill>
-            <a:headEnd type="none" w="med" len="med"/>
-            <a:tailEnd type="arrow" w="med" len="med"/>
-          </a:ln>
-        </p:spPr>
-        <p:style>
-          <a:lnRef idx="1">
-            <a:schemeClr val="accent1"/>
-          </a:lnRef>
-          <a:fillRef idx="0">
-            <a:schemeClr val="accent1"/>
-          </a:fillRef>
-          <a:effectRef idx="0">
-            <a:schemeClr val="accent1"/>
-          </a:effectRef>
-          <a:fontRef idx="minor">
-            <a:schemeClr val="tx1"/>
-          </a:fontRef>
-        </p:style>
-      </p:cxnSp>
-      <p:sp>
-        <p:nvSpPr>
-          <p:cNvPr id="8" name="TextBox 7">
-            <a:extLst>
-              <a:ext uri="{FF2B5EF4-FFF2-40B4-BE49-F238E27FC236}">
-                <a16:creationId xmlns:a16="http://schemas.microsoft.com/office/drawing/2014/main" id="{6703E843-BE1F-FA4C-9136-E280FBBAA2AA}"/>
-              </a:ext>
-            </a:extLst>
-          </p:cNvPr>
-          <p:cNvSpPr txBox="1"/>
-          <p:nvPr/>
-        </p:nvSpPr>
-        <p:spPr>
-          <a:xfrm>
-            <a:off x="905315" y="3562015"/>
-            <a:ext cx="484428" cy="246221"/>
-          </a:xfrm>
-          <a:prstGeom prst="rect">
-            <a:avLst/>
-          </a:prstGeom>
-          <a:noFill/>
-        </p:spPr>
-        <p:txBody>
-          <a:bodyPr wrap="none" rtlCol="0">
-            <a:spAutoFit/>
-          </a:bodyPr>
-          <a:lstStyle/>
-          <a:p>
-            <a:r>
-              <a:rPr lang="en-KR" sz="1000" b="1"/>
-              <a:t>Time</a:t>
-            </a:r>
-          </a:p>
-        </p:txBody>
-      </p:sp>
-      <p:cxnSp>
-        <p:nvCxnSpPr>
-          <p:cNvPr id="10" name="Straight Arrow Connector 9">
-            <a:extLst>
-              <a:ext uri="{FF2B5EF4-FFF2-40B4-BE49-F238E27FC236}">
-                <a16:creationId xmlns:a16="http://schemas.microsoft.com/office/drawing/2014/main" id="{820C7B36-44F7-EC4F-B465-E81EE04C42C6}"/>
-              </a:ext>
-            </a:extLst>
-          </p:cNvPr>
-          <p:cNvCxnSpPr>
-            <a:cxnSpLocks/>
-          </p:cNvCxnSpPr>
-          <p:nvPr/>
-        </p:nvCxnSpPr>
-        <p:spPr>
-          <a:xfrm flipV="1">
-            <a:off x="2184856" y="3556346"/>
-            <a:ext cx="0" cy="209226"/>
-          </a:xfrm>
-          <a:prstGeom prst="straightConnector1">
-            <a:avLst/>
-          </a:prstGeom>
-          <a:ln w="12700">
-            <a:solidFill>
-              <a:schemeClr val="tx1"/>
-            </a:solidFill>
-            <a:prstDash val="dash"/>
-            <a:tailEnd type="triangle"/>
-          </a:ln>
-        </p:spPr>
-        <p:style>
-          <a:lnRef idx="1">
-            <a:schemeClr val="accent1"/>
-          </a:lnRef>
-          <a:fillRef idx="0">
-            <a:schemeClr val="accent1"/>
-          </a:fillRef>
-          <a:effectRef idx="0">
-            <a:schemeClr val="accent1"/>
-          </a:effectRef>
-          <a:fontRef idx="minor">
-            <a:schemeClr val="tx1"/>
-          </a:fontRef>
-        </p:style>
-      </p:cxnSp>
-      <p:cxnSp>
-        <p:nvCxnSpPr>
-          <p:cNvPr id="30" name="Straight Arrow Connector 29">
-            <a:extLst>
-              <a:ext uri="{FF2B5EF4-FFF2-40B4-BE49-F238E27FC236}">
-                <a16:creationId xmlns:a16="http://schemas.microsoft.com/office/drawing/2014/main" id="{6241CF7A-CD35-C248-9EF0-1A11F17CBA0B}"/>
-              </a:ext>
-            </a:extLst>
-          </p:cNvPr>
-          <p:cNvCxnSpPr>
-            <a:cxnSpLocks/>
-          </p:cNvCxnSpPr>
-          <p:nvPr/>
-        </p:nvCxnSpPr>
-        <p:spPr>
-          <a:xfrm>
-            <a:off x="2184607" y="627534"/>
-            <a:ext cx="0" cy="2934481"/>
+            <a:off x="2398346" y="627534"/>
+            <a:ext cx="0" cy="2923156"/>
           </a:xfrm>
           <a:prstGeom prst="straightConnector1">
             <a:avLst/>
@@ -9319,10 +9194,10 @@
       </p:cxnSp>
       <p:cxnSp>
         <p:nvCxnSpPr>
-          <p:cNvPr id="51" name="Straight Arrow Connector 50">
-            <a:extLst>
-              <a:ext uri="{FF2B5EF4-FFF2-40B4-BE49-F238E27FC236}">
-                <a16:creationId xmlns:a16="http://schemas.microsoft.com/office/drawing/2014/main" id="{DC902DB5-E286-0345-8212-03AF3E37BA66}"/>
+          <p:cNvPr id="6" name="Straight Arrow Connector 5">
+            <a:extLst>
+              <a:ext uri="{FF2B5EF4-FFF2-40B4-BE49-F238E27FC236}">
+                <a16:creationId xmlns:a16="http://schemas.microsoft.com/office/drawing/2014/main" id="{74871440-9BBE-E240-AB7C-F6C7B20A9CD0}"/>
               </a:ext>
             </a:extLst>
           </p:cNvPr>
@@ -9333,8 +9208,133 @@
         </p:nvCxnSpPr>
         <p:spPr>
           <a:xfrm>
-            <a:off x="2398346" y="2326554"/>
-            <a:ext cx="0" cy="1224136"/>
+            <a:off x="899592" y="3550690"/>
+            <a:ext cx="6840760" cy="0"/>
+          </a:xfrm>
+          <a:prstGeom prst="straightConnector1">
+            <a:avLst/>
+          </a:prstGeom>
+          <a:ln w="28575">
+            <a:solidFill>
+              <a:schemeClr val="tx1"/>
+            </a:solidFill>
+            <a:headEnd type="none" w="med" len="med"/>
+            <a:tailEnd type="arrow" w="med" len="med"/>
+          </a:ln>
+        </p:spPr>
+        <p:style>
+          <a:lnRef idx="1">
+            <a:schemeClr val="accent1"/>
+          </a:lnRef>
+          <a:fillRef idx="0">
+            <a:schemeClr val="accent1"/>
+          </a:fillRef>
+          <a:effectRef idx="0">
+            <a:schemeClr val="accent1"/>
+          </a:effectRef>
+          <a:fontRef idx="minor">
+            <a:schemeClr val="tx1"/>
+          </a:fontRef>
+        </p:style>
+      </p:cxnSp>
+      <p:sp>
+        <p:nvSpPr>
+          <p:cNvPr id="8" name="TextBox 7">
+            <a:extLst>
+              <a:ext uri="{FF2B5EF4-FFF2-40B4-BE49-F238E27FC236}">
+                <a16:creationId xmlns:a16="http://schemas.microsoft.com/office/drawing/2014/main" id="{6703E843-BE1F-FA4C-9136-E280FBBAA2AA}"/>
+              </a:ext>
+            </a:extLst>
+          </p:cNvPr>
+          <p:cNvSpPr txBox="1"/>
+          <p:nvPr/>
+        </p:nvSpPr>
+        <p:spPr>
+          <a:xfrm>
+            <a:off x="905315" y="3562015"/>
+            <a:ext cx="484428" cy="246221"/>
+          </a:xfrm>
+          <a:prstGeom prst="rect">
+            <a:avLst/>
+          </a:prstGeom>
+          <a:noFill/>
+        </p:spPr>
+        <p:txBody>
+          <a:bodyPr wrap="none" rtlCol="0">
+            <a:spAutoFit/>
+          </a:bodyPr>
+          <a:lstStyle/>
+          <a:p>
+            <a:r>
+              <a:rPr lang="en-KR" sz="1000" b="1"/>
+              <a:t>Time</a:t>
+            </a:r>
+          </a:p>
+        </p:txBody>
+      </p:sp>
+      <p:cxnSp>
+        <p:nvCxnSpPr>
+          <p:cNvPr id="10" name="Straight Arrow Connector 9">
+            <a:extLst>
+              <a:ext uri="{FF2B5EF4-FFF2-40B4-BE49-F238E27FC236}">
+                <a16:creationId xmlns:a16="http://schemas.microsoft.com/office/drawing/2014/main" id="{820C7B36-44F7-EC4F-B465-E81EE04C42C6}"/>
+              </a:ext>
+            </a:extLst>
+          </p:cNvPr>
+          <p:cNvCxnSpPr>
+            <a:cxnSpLocks/>
+          </p:cNvCxnSpPr>
+          <p:nvPr/>
+        </p:nvCxnSpPr>
+        <p:spPr>
+          <a:xfrm flipV="1">
+            <a:off x="2184856" y="3556346"/>
+            <a:ext cx="0" cy="209226"/>
+          </a:xfrm>
+          <a:prstGeom prst="straightConnector1">
+            <a:avLst/>
+          </a:prstGeom>
+          <a:ln w="12700">
+            <a:solidFill>
+              <a:schemeClr val="tx1"/>
+            </a:solidFill>
+            <a:prstDash val="dash"/>
+            <a:tailEnd type="triangle"/>
+          </a:ln>
+        </p:spPr>
+        <p:style>
+          <a:lnRef idx="1">
+            <a:schemeClr val="accent1"/>
+          </a:lnRef>
+          <a:fillRef idx="0">
+            <a:schemeClr val="accent1"/>
+          </a:fillRef>
+          <a:effectRef idx="0">
+            <a:schemeClr val="accent1"/>
+          </a:effectRef>
+          <a:fontRef idx="minor">
+            <a:schemeClr val="tx1"/>
+          </a:fontRef>
+        </p:style>
+      </p:cxnSp>
+      <p:cxnSp>
+        <p:nvCxnSpPr>
+          <p:cNvPr id="30" name="Straight Arrow Connector 29">
+            <a:extLst>
+              <a:ext uri="{FF2B5EF4-FFF2-40B4-BE49-F238E27FC236}">
+                <a16:creationId xmlns:a16="http://schemas.microsoft.com/office/drawing/2014/main" id="{6241CF7A-CD35-C248-9EF0-1A11F17CBA0B}"/>
+              </a:ext>
+            </a:extLst>
+          </p:cNvPr>
+          <p:cNvCxnSpPr>
+            <a:cxnSpLocks/>
+          </p:cNvCxnSpPr>
+          <p:nvPr/>
+        </p:nvCxnSpPr>
+        <p:spPr>
+          <a:xfrm>
+            <a:off x="2184607" y="2544447"/>
+            <a:ext cx="0" cy="1017568"/>
           </a:xfrm>
           <a:prstGeom prst="straightConnector1">
             <a:avLst/>
@@ -10643,6 +10643,91 @@
                 <a:schemeClr val="accent2"/>
               </a:solidFill>
             </a:endParaRPr>
+          </a:p>
+        </p:txBody>
+      </p:sp>
+      <p:cxnSp>
+        <p:nvCxnSpPr>
+          <p:cNvPr id="33" name="Straight Arrow Connector 32">
+            <a:extLst>
+              <a:ext uri="{FF2B5EF4-FFF2-40B4-BE49-F238E27FC236}">
+                <a16:creationId xmlns:a16="http://schemas.microsoft.com/office/drawing/2014/main" id="{20F10284-9C54-FB46-A151-71AEBFD5FA72}"/>
+              </a:ext>
+            </a:extLst>
+          </p:cNvPr>
+          <p:cNvCxnSpPr>
+            <a:cxnSpLocks/>
+          </p:cNvCxnSpPr>
+          <p:nvPr/>
+        </p:nvCxnSpPr>
+        <p:spPr>
+          <a:xfrm flipH="1">
+            <a:off x="2398345" y="627534"/>
+            <a:ext cx="4742930" cy="0"/>
+          </a:xfrm>
+          <a:prstGeom prst="straightConnector1">
+            <a:avLst/>
+          </a:prstGeom>
+          <a:ln w="12700">
+            <a:solidFill>
+              <a:schemeClr val="tx1"/>
+            </a:solidFill>
+            <a:prstDash val="solid"/>
+            <a:headEnd type="triangle" w="med" len="med"/>
+            <a:tailEnd type="triangle" w="med" len="med"/>
+          </a:ln>
+        </p:spPr>
+        <p:style>
+          <a:lnRef idx="1">
+            <a:schemeClr val="accent1"/>
+          </a:lnRef>
+          <a:fillRef idx="0">
+            <a:schemeClr val="accent1"/>
+          </a:fillRef>
+          <a:effectRef idx="0">
+            <a:schemeClr val="accent1"/>
+          </a:effectRef>
+          <a:fontRef idx="minor">
+            <a:schemeClr val="tx1"/>
+          </a:fontRef>
+        </p:style>
+      </p:cxnSp>
+      <p:sp>
+        <p:nvSpPr>
+          <p:cNvPr id="34" name="TextBox 33">
+            <a:extLst>
+              <a:ext uri="{FF2B5EF4-FFF2-40B4-BE49-F238E27FC236}">
+                <a16:creationId xmlns:a16="http://schemas.microsoft.com/office/drawing/2014/main" id="{A82D9337-B032-144A-9C37-F16DB283319A}"/>
+              </a:ext>
+            </a:extLst>
+          </p:cNvPr>
+          <p:cNvSpPr txBox="1"/>
+          <p:nvPr/>
+        </p:nvSpPr>
+        <p:spPr>
+          <a:xfrm>
+            <a:off x="3823513" y="385004"/>
+            <a:ext cx="1670650" cy="215444"/>
+          </a:xfrm>
+          <a:prstGeom prst="rect">
+            <a:avLst/>
+          </a:prstGeom>
+          <a:solidFill>
+            <a:schemeClr val="bg1"/>
+          </a:solidFill>
+        </p:spPr>
+        <p:txBody>
+          <a:bodyPr wrap="none" rtlCol="0">
+            <a:spAutoFit/>
+          </a:bodyPr>
+          <a:lstStyle/>
+          <a:p>
+            <a:pPr algn="ctr"/>
+            <a:r>
+              <a:rPr lang="en-US" sz="800"/>
+              <a:t>terminationGracePeriodSeconds</a:t>
+            </a:r>
+            <a:endParaRPr lang="en-KR" sz="800"/>
           </a:p>
         </p:txBody>
       </p:sp>
@@ -11038,8 +11123,8 @@
         </p:nvCxnSpPr>
         <p:spPr>
           <a:xfrm>
-            <a:off x="2184607" y="627534"/>
-            <a:ext cx="0" cy="2934481"/>
+            <a:off x="2184607" y="2544447"/>
+            <a:ext cx="0" cy="1017568"/>
           </a:xfrm>
           <a:prstGeom prst="straightConnector1">
             <a:avLst/>
@@ -11130,8 +11215,8 @@
         </p:nvCxnSpPr>
         <p:spPr>
           <a:xfrm>
-            <a:off x="2398346" y="2326554"/>
-            <a:ext cx="0" cy="1224136"/>
+            <a:off x="2398346" y="627534"/>
+            <a:ext cx="0" cy="2923156"/>
           </a:xfrm>
           <a:prstGeom prst="straightConnector1">
             <a:avLst/>
@@ -12382,8 +12467,8 @@
         </p:nvCxnSpPr>
         <p:spPr>
           <a:xfrm flipH="1">
-            <a:off x="2184359" y="627534"/>
-            <a:ext cx="4956915" cy="0"/>
+            <a:off x="2398345" y="627534"/>
+            <a:ext cx="4742930" cy="0"/>
           </a:xfrm>
           <a:prstGeom prst="straightConnector1">
             <a:avLst/>
